--- a/Java 相關/面試問題.pptx
+++ b/Java 相關/面試問題.pptx
@@ -16,6 +16,8 @@
     <p:sldId id="265" r:id="rId10"/>
     <p:sldId id="259" r:id="rId11"/>
     <p:sldId id="266" r:id="rId12"/>
+    <p:sldId id="268" r:id="rId13"/>
+    <p:sldId id="270" r:id="rId14"/>
   </p:sldIdLst>
   <p:sldSz cx="12192000" cy="6858000"/>
   <p:notesSz cx="6858000" cy="9144000"/>
@@ -114,6 +116,11 @@
       </a:defRPr>
     </a:lvl9pPr>
   </p:defaultTextStyle>
+  <p:extLst>
+    <p:ext uri="{EFAFB233-063F-42B5-8137-9DF3F51BA10A}">
+      <p15:sldGuideLst xmlns:p15="http://schemas.microsoft.com/office/powerpoint/2012/main"/>
+    </p:ext>
+  </p:extLst>
 </p:presentation>
 </file>
 
@@ -1328,7 +1335,7 @@
           <a:p>
             <a:fld id="{654AE61A-BA35-4049-814A-A64EFCA36CDD}" type="datetimeFigureOut">
               <a:rPr lang="zh-TW" altLang="en-US" smtClean="0"/>
-              <a:t>2023/10/25</a:t>
+              <a:t>2023/10/30</a:t>
             </a:fld>
             <a:endParaRPr lang="zh-TW" altLang="en-US"/>
           </a:p>
@@ -1566,7 +1573,7 @@
           <a:p>
             <a:fld id="{654AE61A-BA35-4049-814A-A64EFCA36CDD}" type="datetimeFigureOut">
               <a:rPr lang="zh-TW" altLang="en-US" smtClean="0"/>
-              <a:t>2023/10/25</a:t>
+              <a:t>2023/10/30</a:t>
             </a:fld>
             <a:endParaRPr lang="zh-TW" altLang="en-US"/>
           </a:p>
@@ -1746,7 +1753,7 @@
           <a:p>
             <a:fld id="{654AE61A-BA35-4049-814A-A64EFCA36CDD}" type="datetimeFigureOut">
               <a:rPr lang="zh-TW" altLang="en-US" smtClean="0"/>
-              <a:t>2023/10/25</a:t>
+              <a:t>2023/10/30</a:t>
             </a:fld>
             <a:endParaRPr lang="zh-TW" altLang="en-US"/>
           </a:p>
@@ -1916,7 +1923,7 @@
           <a:p>
             <a:fld id="{654AE61A-BA35-4049-814A-A64EFCA36CDD}" type="datetimeFigureOut">
               <a:rPr lang="zh-TW" altLang="en-US" smtClean="0"/>
-              <a:t>2023/10/25</a:t>
+              <a:t>2023/10/30</a:t>
             </a:fld>
             <a:endParaRPr lang="zh-TW" altLang="en-US"/>
           </a:p>
@@ -2192,7 +2199,7 @@
           <a:p>
             <a:fld id="{654AE61A-BA35-4049-814A-A64EFCA36CDD}" type="datetimeFigureOut">
               <a:rPr lang="zh-TW" altLang="en-US" smtClean="0"/>
-              <a:t>2023/10/25</a:t>
+              <a:t>2023/10/30</a:t>
             </a:fld>
             <a:endParaRPr lang="zh-TW" altLang="en-US"/>
           </a:p>
@@ -3393,7 +3400,7 @@
           <a:p>
             <a:fld id="{654AE61A-BA35-4049-814A-A64EFCA36CDD}" type="datetimeFigureOut">
               <a:rPr lang="zh-TW" altLang="en-US" smtClean="0"/>
-              <a:t>2023/10/25</a:t>
+              <a:t>2023/10/30</a:t>
             </a:fld>
             <a:endParaRPr lang="zh-TW" altLang="en-US"/>
           </a:p>
@@ -3783,7 +3790,7 @@
           <a:p>
             <a:fld id="{654AE61A-BA35-4049-814A-A64EFCA36CDD}" type="datetimeFigureOut">
               <a:rPr lang="zh-TW" altLang="en-US" smtClean="0"/>
-              <a:t>2023/10/25</a:t>
+              <a:t>2023/10/30</a:t>
             </a:fld>
             <a:endParaRPr lang="zh-TW" altLang="en-US"/>
           </a:p>
@@ -3906,7 +3913,7 @@
           <a:p>
             <a:fld id="{654AE61A-BA35-4049-814A-A64EFCA36CDD}" type="datetimeFigureOut">
               <a:rPr lang="zh-TW" altLang="en-US" smtClean="0"/>
-              <a:t>2023/10/25</a:t>
+              <a:t>2023/10/30</a:t>
             </a:fld>
             <a:endParaRPr lang="zh-TW" altLang="en-US"/>
           </a:p>
@@ -4001,7 +4008,7 @@
           <a:p>
             <a:fld id="{654AE61A-BA35-4049-814A-A64EFCA36CDD}" type="datetimeFigureOut">
               <a:rPr lang="zh-TW" altLang="en-US" smtClean="0"/>
-              <a:t>2023/10/25</a:t>
+              <a:t>2023/10/30</a:t>
             </a:fld>
             <a:endParaRPr lang="zh-TW" altLang="en-US"/>
           </a:p>
@@ -4764,7 +4771,7 @@
           <a:p>
             <a:fld id="{654AE61A-BA35-4049-814A-A64EFCA36CDD}" type="datetimeFigureOut">
               <a:rPr lang="zh-TW" altLang="en-US" smtClean="0"/>
-              <a:t>2023/10/25</a:t>
+              <a:t>2023/10/30</a:t>
             </a:fld>
             <a:endParaRPr lang="zh-TW" altLang="en-US"/>
           </a:p>
@@ -5604,7 +5611,7 @@
           <a:p>
             <a:fld id="{654AE61A-BA35-4049-814A-A64EFCA36CDD}" type="datetimeFigureOut">
               <a:rPr lang="zh-TW" altLang="en-US" smtClean="0"/>
-              <a:t>2023/10/25</a:t>
+              <a:t>2023/10/30</a:t>
             </a:fld>
             <a:endParaRPr lang="zh-TW" altLang="en-US"/>
           </a:p>
@@ -5831,7 +5838,7 @@
           <a:p>
             <a:fld id="{654AE61A-BA35-4049-814A-A64EFCA36CDD}" type="datetimeFigureOut">
               <a:rPr lang="zh-TW" altLang="en-US" smtClean="0"/>
-              <a:t>2023/10/25</a:t>
+              <a:t>2023/10/30</a:t>
             </a:fld>
             <a:endParaRPr lang="zh-TW" altLang="en-US"/>
           </a:p>
@@ -7211,6 +7218,1723 @@
 </p:sld>
 </file>
 
+<file path=ppt/slides/slide12.xml><?xml version="1.0" encoding="utf-8"?>
+<p:sld xmlns:a="http://schemas.openxmlformats.org/drawingml/2006/main" xmlns:r="http://schemas.openxmlformats.org/officeDocument/2006/relationships" xmlns:p="http://schemas.openxmlformats.org/presentationml/2006/main">
+  <p:cSld>
+    <p:spTree>
+      <p:nvGrpSpPr>
+        <p:cNvPr id="1" name=""/>
+        <p:cNvGrpSpPr/>
+        <p:nvPr/>
+      </p:nvGrpSpPr>
+      <p:grpSpPr>
+        <a:xfrm>
+          <a:off x="0" y="0"/>
+          <a:ext cx="0" cy="0"/>
+          <a:chOff x="0" y="0"/>
+          <a:chExt cx="0" cy="0"/>
+        </a:xfrm>
+      </p:grpSpPr>
+      <p:sp>
+        <p:nvSpPr>
+          <p:cNvPr id="2" name="標題 1">
+            <a:extLst>
+              <a:ext uri="{FF2B5EF4-FFF2-40B4-BE49-F238E27FC236}">
+                <a16:creationId xmlns:a16="http://schemas.microsoft.com/office/drawing/2014/main" id="{70D6283D-B7B9-5BA3-6B51-1752E7AB7AE6}"/>
+              </a:ext>
+            </a:extLst>
+          </p:cNvPr>
+          <p:cNvSpPr>
+            <a:spLocks noGrp="1"/>
+          </p:cNvSpPr>
+          <p:nvPr>
+            <p:ph type="title"/>
+          </p:nvPr>
+        </p:nvSpPr>
+        <p:spPr/>
+        <p:txBody>
+          <a:bodyPr/>
+          <a:lstStyle/>
+          <a:p>
+            <a:r>
+              <a:rPr lang="en-US" altLang="zh-TW" dirty="0"/>
+              <a:t>String Pool (</a:t>
+            </a:r>
+            <a:r>
+              <a:rPr lang="zh-TW" altLang="en-US" dirty="0"/>
+              <a:t>字串池</a:t>
+            </a:r>
+            <a:r>
+              <a:rPr lang="en-US" altLang="zh-TW" dirty="0"/>
+              <a:t>)</a:t>
+            </a:r>
+            <a:endParaRPr lang="zh-TW" altLang="en-US" dirty="0"/>
+          </a:p>
+        </p:txBody>
+      </p:sp>
+      <p:sp>
+        <p:nvSpPr>
+          <p:cNvPr id="3" name="內容版面配置區 2">
+            <a:extLst>
+              <a:ext uri="{FF2B5EF4-FFF2-40B4-BE49-F238E27FC236}">
+                <a16:creationId xmlns:a16="http://schemas.microsoft.com/office/drawing/2014/main" id="{67A875D7-ADC1-FC6A-F600-3B314BBF8450}"/>
+              </a:ext>
+            </a:extLst>
+          </p:cNvPr>
+          <p:cNvSpPr>
+            <a:spLocks noGrp="1"/>
+          </p:cNvSpPr>
+          <p:nvPr>
+            <p:ph idx="1"/>
+          </p:nvPr>
+        </p:nvSpPr>
+        <p:spPr>
+          <a:xfrm>
+            <a:off x="1251678" y="1389893"/>
+            <a:ext cx="10178322" cy="3593591"/>
+          </a:xfrm>
+        </p:spPr>
+        <p:txBody>
+          <a:bodyPr/>
+          <a:lstStyle/>
+          <a:p>
+            <a:r>
+              <a:rPr lang="zh-TW" altLang="en-US" dirty="0"/>
+              <a:t>參考資料：</a:t>
+            </a:r>
+            <a:r>
+              <a:rPr lang="en-US" altLang="zh-TW" dirty="0">
+                <a:hlinkClick r:id="rId2"/>
+              </a:rPr>
+              <a:t>https://www.geeksforgeeks.org/string-constant-pool-in-java/</a:t>
+            </a:r>
+            <a:r>
+              <a:rPr lang="zh-TW" altLang="en-US" dirty="0"/>
+              <a:t> </a:t>
+            </a:r>
+          </a:p>
+        </p:txBody>
+      </p:sp>
+      <p:pic>
+        <p:nvPicPr>
+          <p:cNvPr id="7" name="圖片 6">
+            <a:extLst>
+              <a:ext uri="{FF2B5EF4-FFF2-40B4-BE49-F238E27FC236}">
+                <a16:creationId xmlns:a16="http://schemas.microsoft.com/office/drawing/2014/main" id="{BE2C182D-BEEC-D85F-279A-CC687D199A23}"/>
+              </a:ext>
+            </a:extLst>
+          </p:cNvPr>
+          <p:cNvPicPr>
+            <a:picLocks noChangeAspect="1"/>
+          </p:cNvPicPr>
+          <p:nvPr/>
+        </p:nvPicPr>
+        <p:blipFill>
+          <a:blip r:embed="rId3"/>
+          <a:stretch>
+            <a:fillRect/>
+          </a:stretch>
+        </p:blipFill>
+        <p:spPr>
+          <a:xfrm>
+            <a:off x="1299662" y="2016843"/>
+            <a:ext cx="4927436" cy="3262692"/>
+          </a:xfrm>
+          <a:prstGeom prst="rect">
+            <a:avLst/>
+          </a:prstGeom>
+        </p:spPr>
+      </p:pic>
+      <p:pic>
+        <p:nvPicPr>
+          <p:cNvPr id="9" name="圖片 8">
+            <a:extLst>
+              <a:ext uri="{FF2B5EF4-FFF2-40B4-BE49-F238E27FC236}">
+                <a16:creationId xmlns:a16="http://schemas.microsoft.com/office/drawing/2014/main" id="{3BA69735-C195-ECB3-6CB8-EA27F1621261}"/>
+              </a:ext>
+            </a:extLst>
+          </p:cNvPr>
+          <p:cNvPicPr>
+            <a:picLocks noChangeAspect="1"/>
+          </p:cNvPicPr>
+          <p:nvPr/>
+        </p:nvPicPr>
+        <p:blipFill>
+          <a:blip r:embed="rId4"/>
+          <a:stretch>
+            <a:fillRect/>
+          </a:stretch>
+        </p:blipFill>
+        <p:spPr>
+          <a:xfrm>
+            <a:off x="6569247" y="2016843"/>
+            <a:ext cx="4679970" cy="3262692"/>
+          </a:xfrm>
+          <a:prstGeom prst="rect">
+            <a:avLst/>
+          </a:prstGeom>
+        </p:spPr>
+      </p:pic>
+      <p:pic>
+        <p:nvPicPr>
+          <p:cNvPr id="11" name="圖片 10">
+            <a:extLst>
+              <a:ext uri="{FF2B5EF4-FFF2-40B4-BE49-F238E27FC236}">
+                <a16:creationId xmlns:a16="http://schemas.microsoft.com/office/drawing/2014/main" id="{5C1EE253-9E76-F12D-BA4F-7D0167631C8C}"/>
+              </a:ext>
+            </a:extLst>
+          </p:cNvPr>
+          <p:cNvPicPr>
+            <a:picLocks noChangeAspect="1"/>
+          </p:cNvPicPr>
+          <p:nvPr/>
+        </p:nvPicPr>
+        <p:blipFill>
+          <a:blip r:embed="rId5"/>
+          <a:stretch>
+            <a:fillRect/>
+          </a:stretch>
+        </p:blipFill>
+        <p:spPr>
+          <a:xfrm>
+            <a:off x="1299662" y="5494002"/>
+            <a:ext cx="4927436" cy="1139880"/>
+          </a:xfrm>
+          <a:prstGeom prst="rect">
+            <a:avLst/>
+          </a:prstGeom>
+        </p:spPr>
+      </p:pic>
+    </p:spTree>
+    <p:extLst>
+      <p:ext uri="{BB962C8B-B14F-4D97-AF65-F5344CB8AC3E}">
+        <p14:creationId xmlns:p14="http://schemas.microsoft.com/office/powerpoint/2010/main" val="1101051848"/>
+      </p:ext>
+    </p:extLst>
+  </p:cSld>
+  <p:clrMapOvr>
+    <a:masterClrMapping/>
+  </p:clrMapOvr>
+</p:sld>
+</file>
+
+<file path=ppt/slides/slide13.xml><?xml version="1.0" encoding="utf-8"?>
+<p:sld xmlns:a="http://schemas.openxmlformats.org/drawingml/2006/main" xmlns:r="http://schemas.openxmlformats.org/officeDocument/2006/relationships" xmlns:p="http://schemas.openxmlformats.org/presentationml/2006/main">
+  <p:cSld>
+    <p:spTree>
+      <p:nvGrpSpPr>
+        <p:cNvPr id="1" name=""/>
+        <p:cNvGrpSpPr/>
+        <p:nvPr/>
+      </p:nvGrpSpPr>
+      <p:grpSpPr>
+        <a:xfrm>
+          <a:off x="0" y="0"/>
+          <a:ext cx="0" cy="0"/>
+          <a:chOff x="0" y="0"/>
+          <a:chExt cx="0" cy="0"/>
+        </a:xfrm>
+      </p:grpSpPr>
+      <p:sp>
+        <p:nvSpPr>
+          <p:cNvPr id="2" name="標題 1">
+            <a:extLst>
+              <a:ext uri="{FF2B5EF4-FFF2-40B4-BE49-F238E27FC236}">
+                <a16:creationId xmlns:a16="http://schemas.microsoft.com/office/drawing/2014/main" id="{70D6283D-B7B9-5BA3-6B51-1752E7AB7AE6}"/>
+              </a:ext>
+            </a:extLst>
+          </p:cNvPr>
+          <p:cNvSpPr>
+            <a:spLocks noGrp="1"/>
+          </p:cNvSpPr>
+          <p:nvPr>
+            <p:ph type="title"/>
+          </p:nvPr>
+        </p:nvSpPr>
+        <p:spPr>
+          <a:xfrm>
+            <a:off x="1251678" y="445138"/>
+            <a:ext cx="10178322" cy="1492132"/>
+          </a:xfrm>
+        </p:spPr>
+        <p:txBody>
+          <a:bodyPr/>
+          <a:lstStyle/>
+          <a:p>
+            <a:r>
+              <a:rPr lang="en-US" altLang="zh-TW" dirty="0"/>
+              <a:t>Call by value (</a:t>
+            </a:r>
+            <a:r>
+              <a:rPr lang="zh-TW" altLang="en-US" dirty="0"/>
+              <a:t>傳值呼叫</a:t>
+            </a:r>
+            <a:r>
+              <a:rPr lang="en-US" altLang="zh-TW" dirty="0"/>
+              <a:t>)</a:t>
+            </a:r>
+            <a:endParaRPr lang="zh-TW" altLang="en-US" dirty="0"/>
+          </a:p>
+        </p:txBody>
+      </p:sp>
+      <p:sp>
+        <p:nvSpPr>
+          <p:cNvPr id="3" name="內容版面配置區 2">
+            <a:extLst>
+              <a:ext uri="{FF2B5EF4-FFF2-40B4-BE49-F238E27FC236}">
+                <a16:creationId xmlns:a16="http://schemas.microsoft.com/office/drawing/2014/main" id="{67A875D7-ADC1-FC6A-F600-3B314BBF8450}"/>
+              </a:ext>
+            </a:extLst>
+          </p:cNvPr>
+          <p:cNvSpPr>
+            <a:spLocks noGrp="1"/>
+          </p:cNvSpPr>
+          <p:nvPr>
+            <p:ph idx="1"/>
+          </p:nvPr>
+        </p:nvSpPr>
+        <p:spPr>
+          <a:xfrm>
+            <a:off x="1251678" y="1452646"/>
+            <a:ext cx="10178322" cy="4831613"/>
+          </a:xfrm>
+        </p:spPr>
+        <p:txBody>
+          <a:bodyPr/>
+          <a:lstStyle/>
+          <a:p>
+            <a:r>
+              <a:rPr lang="zh-TW" altLang="en-US" dirty="0"/>
+              <a:t>參考資料：</a:t>
+            </a:r>
+            <a:r>
+              <a:rPr lang="en-US" altLang="zh-TW" dirty="0">
+                <a:hlinkClick r:id="rId2"/>
+              </a:rPr>
+              <a:t>https://openhome.cc/Gossip/Java/PassByValue.html</a:t>
+            </a:r>
+            <a:r>
+              <a:rPr lang="en-US" altLang="zh-TW" dirty="0"/>
+              <a:t> </a:t>
+            </a:r>
+          </a:p>
+          <a:p>
+            <a:r>
+              <a:rPr lang="en-US" altLang="zh-TW" dirty="0"/>
+              <a:t>Java </a:t>
+            </a:r>
+            <a:r>
+              <a:rPr lang="zh-TW" altLang="en-US" dirty="0"/>
+              <a:t>方法中的參數，無論基本型別與參考型別，都是「傳值呼叫」。</a:t>
+            </a:r>
+          </a:p>
+        </p:txBody>
+      </p:sp>
+      <p:pic>
+        <p:nvPicPr>
+          <p:cNvPr id="8" name="圖片 7">
+            <a:extLst>
+              <a:ext uri="{FF2B5EF4-FFF2-40B4-BE49-F238E27FC236}">
+                <a16:creationId xmlns:a16="http://schemas.microsoft.com/office/drawing/2014/main" id="{5CE6A485-ED18-9FF1-FFED-7318ECDEE3C8}"/>
+              </a:ext>
+            </a:extLst>
+          </p:cNvPr>
+          <p:cNvPicPr>
+            <a:picLocks noChangeAspect="1"/>
+          </p:cNvPicPr>
+          <p:nvPr/>
+        </p:nvPicPr>
+        <p:blipFill>
+          <a:blip r:embed="rId3"/>
+          <a:stretch>
+            <a:fillRect/>
+          </a:stretch>
+        </p:blipFill>
+        <p:spPr>
+          <a:xfrm>
+            <a:off x="1251678" y="2452783"/>
+            <a:ext cx="4419983" cy="4229467"/>
+          </a:xfrm>
+          <a:prstGeom prst="rect">
+            <a:avLst/>
+          </a:prstGeom>
+        </p:spPr>
+      </p:pic>
+      <p:sp>
+        <p:nvSpPr>
+          <p:cNvPr id="10" name="橢圓 9">
+            <a:extLst>
+              <a:ext uri="{FF2B5EF4-FFF2-40B4-BE49-F238E27FC236}">
+                <a16:creationId xmlns:a16="http://schemas.microsoft.com/office/drawing/2014/main" id="{B0DE9945-CE8F-FAC9-2E0B-088CD6A0D83E}"/>
+              </a:ext>
+            </a:extLst>
+          </p:cNvPr>
+          <p:cNvSpPr/>
+          <p:nvPr/>
+        </p:nvSpPr>
+        <p:spPr>
+          <a:xfrm>
+            <a:off x="6748783" y="3144461"/>
+            <a:ext cx="877873" cy="852443"/>
+          </a:xfrm>
+          <a:prstGeom prst="ellipse">
+            <a:avLst/>
+          </a:prstGeom>
+          <a:solidFill>
+            <a:schemeClr val="accent4">
+              <a:lumMod val="40000"/>
+              <a:lumOff val="60000"/>
+            </a:schemeClr>
+          </a:solidFill>
+          <a:ln>
+            <a:solidFill>
+              <a:schemeClr val="accent4">
+                <a:lumMod val="60000"/>
+                <a:lumOff val="40000"/>
+              </a:schemeClr>
+            </a:solidFill>
+          </a:ln>
+        </p:spPr>
+        <p:style>
+          <a:lnRef idx="2">
+            <a:schemeClr val="accent1">
+              <a:shade val="15000"/>
+            </a:schemeClr>
+          </a:lnRef>
+          <a:fillRef idx="1">
+            <a:schemeClr val="accent1"/>
+          </a:fillRef>
+          <a:effectRef idx="0">
+            <a:schemeClr val="accent1"/>
+          </a:effectRef>
+          <a:fontRef idx="minor">
+            <a:schemeClr val="lt1"/>
+          </a:fontRef>
+        </p:style>
+        <p:txBody>
+          <a:bodyPr rtlCol="0" anchor="ctr"/>
+          <a:lstStyle/>
+          <a:p>
+            <a:pPr algn="ctr"/>
+            <a:endParaRPr lang="zh-TW" altLang="en-US"/>
+          </a:p>
+        </p:txBody>
+      </p:sp>
+      <p:sp>
+        <p:nvSpPr>
+          <p:cNvPr id="12" name="橢圓 11">
+            <a:extLst>
+              <a:ext uri="{FF2B5EF4-FFF2-40B4-BE49-F238E27FC236}">
+                <a16:creationId xmlns:a16="http://schemas.microsoft.com/office/drawing/2014/main" id="{A1379800-9872-3358-2C09-637BC43EB27D}"/>
+              </a:ext>
+            </a:extLst>
+          </p:cNvPr>
+          <p:cNvSpPr/>
+          <p:nvPr/>
+        </p:nvSpPr>
+        <p:spPr>
+          <a:xfrm>
+            <a:off x="8301318" y="2421407"/>
+            <a:ext cx="1694328" cy="1645247"/>
+          </a:xfrm>
+          <a:prstGeom prst="ellipse">
+            <a:avLst/>
+          </a:prstGeom>
+          <a:solidFill>
+            <a:schemeClr val="accent4">
+              <a:lumMod val="40000"/>
+              <a:lumOff val="60000"/>
+            </a:schemeClr>
+          </a:solidFill>
+          <a:ln>
+            <a:solidFill>
+              <a:schemeClr val="accent4">
+                <a:lumMod val="60000"/>
+                <a:lumOff val="40000"/>
+              </a:schemeClr>
+            </a:solidFill>
+          </a:ln>
+        </p:spPr>
+        <p:style>
+          <a:lnRef idx="2">
+            <a:schemeClr val="accent1">
+              <a:shade val="15000"/>
+            </a:schemeClr>
+          </a:lnRef>
+          <a:fillRef idx="1">
+            <a:schemeClr val="accent1"/>
+          </a:fillRef>
+          <a:effectRef idx="0">
+            <a:schemeClr val="accent1"/>
+          </a:effectRef>
+          <a:fontRef idx="minor">
+            <a:schemeClr val="lt1"/>
+          </a:fontRef>
+        </p:style>
+        <p:txBody>
+          <a:bodyPr rtlCol="0" anchor="ctr"/>
+          <a:lstStyle/>
+          <a:p>
+            <a:pPr algn="ctr"/>
+            <a:endParaRPr lang="zh-TW" altLang="en-US"/>
+          </a:p>
+        </p:txBody>
+      </p:sp>
+      <p:sp>
+        <p:nvSpPr>
+          <p:cNvPr id="13" name="文字方塊 12">
+            <a:extLst>
+              <a:ext uri="{FF2B5EF4-FFF2-40B4-BE49-F238E27FC236}">
+                <a16:creationId xmlns:a16="http://schemas.microsoft.com/office/drawing/2014/main" id="{903ED972-DBAB-8313-493F-D8BFEA9DB0B9}"/>
+              </a:ext>
+            </a:extLst>
+          </p:cNvPr>
+          <p:cNvSpPr txBox="1"/>
+          <p:nvPr/>
+        </p:nvSpPr>
+        <p:spPr>
+          <a:xfrm>
+            <a:off x="6777098" y="4012690"/>
+            <a:ext cx="821241" cy="369332"/>
+          </a:xfrm>
+          <a:prstGeom prst="rect">
+            <a:avLst/>
+          </a:prstGeom>
+          <a:noFill/>
+        </p:spPr>
+        <p:txBody>
+          <a:bodyPr wrap="square" rtlCol="0">
+            <a:spAutoFit/>
+          </a:bodyPr>
+          <a:lstStyle/>
+          <a:p>
+            <a:pPr algn="ctr"/>
+            <a:r>
+              <a:rPr lang="en-US" altLang="zh-TW" dirty="0"/>
+              <a:t>stack</a:t>
+            </a:r>
+            <a:endParaRPr lang="zh-TW" altLang="en-US" dirty="0"/>
+          </a:p>
+        </p:txBody>
+      </p:sp>
+      <p:sp>
+        <p:nvSpPr>
+          <p:cNvPr id="14" name="文字方塊 13">
+            <a:extLst>
+              <a:ext uri="{FF2B5EF4-FFF2-40B4-BE49-F238E27FC236}">
+                <a16:creationId xmlns:a16="http://schemas.microsoft.com/office/drawing/2014/main" id="{6CA68615-48C8-1B52-9990-922206AEC353}"/>
+              </a:ext>
+            </a:extLst>
+          </p:cNvPr>
+          <p:cNvSpPr txBox="1"/>
+          <p:nvPr/>
+        </p:nvSpPr>
+        <p:spPr>
+          <a:xfrm>
+            <a:off x="8818544" y="4066654"/>
+            <a:ext cx="821241" cy="369332"/>
+          </a:xfrm>
+          <a:prstGeom prst="rect">
+            <a:avLst/>
+          </a:prstGeom>
+          <a:noFill/>
+        </p:spPr>
+        <p:txBody>
+          <a:bodyPr wrap="square" rtlCol="0">
+            <a:spAutoFit/>
+          </a:bodyPr>
+          <a:lstStyle/>
+          <a:p>
+            <a:pPr algn="ctr"/>
+            <a:r>
+              <a:rPr lang="en-US" altLang="zh-TW" dirty="0"/>
+              <a:t>heap</a:t>
+            </a:r>
+            <a:endParaRPr lang="zh-TW" altLang="en-US" dirty="0"/>
+          </a:p>
+        </p:txBody>
+      </p:sp>
+      <p:sp>
+        <p:nvSpPr>
+          <p:cNvPr id="15" name="矩形 14">
+            <a:extLst>
+              <a:ext uri="{FF2B5EF4-FFF2-40B4-BE49-F238E27FC236}">
+                <a16:creationId xmlns:a16="http://schemas.microsoft.com/office/drawing/2014/main" id="{4FE2B05D-CC4E-D432-102D-71522EC12697}"/>
+              </a:ext>
+            </a:extLst>
+          </p:cNvPr>
+          <p:cNvSpPr/>
+          <p:nvPr/>
+        </p:nvSpPr>
+        <p:spPr>
+          <a:xfrm>
+            <a:off x="6912990" y="3657189"/>
+            <a:ext cx="594398" cy="231739"/>
+          </a:xfrm>
+          <a:prstGeom prst="rect">
+            <a:avLst/>
+          </a:prstGeom>
+          <a:ln>
+            <a:noFill/>
+          </a:ln>
+        </p:spPr>
+        <p:style>
+          <a:lnRef idx="2">
+            <a:schemeClr val="accent1">
+              <a:shade val="15000"/>
+            </a:schemeClr>
+          </a:lnRef>
+          <a:fillRef idx="1">
+            <a:schemeClr val="accent1"/>
+          </a:fillRef>
+          <a:effectRef idx="0">
+            <a:schemeClr val="accent1"/>
+          </a:effectRef>
+          <a:fontRef idx="minor">
+            <a:schemeClr val="lt1"/>
+          </a:fontRef>
+        </p:style>
+        <p:txBody>
+          <a:bodyPr rtlCol="0" anchor="t"/>
+          <a:lstStyle/>
+          <a:p>
+            <a:pPr algn="ctr"/>
+            <a:r>
+              <a:rPr lang="en-US" altLang="zh-TW" sz="1000" dirty="0">
+                <a:solidFill>
+                  <a:schemeClr val="tx1"/>
+                </a:solidFill>
+              </a:rPr>
+              <a:t>people</a:t>
+            </a:r>
+            <a:endParaRPr lang="zh-TW" altLang="en-US" sz="1000" dirty="0">
+              <a:solidFill>
+                <a:schemeClr val="tx1"/>
+              </a:solidFill>
+            </a:endParaRPr>
+          </a:p>
+        </p:txBody>
+      </p:sp>
+      <p:sp>
+        <p:nvSpPr>
+          <p:cNvPr id="16" name="矩形 15">
+            <a:extLst>
+              <a:ext uri="{FF2B5EF4-FFF2-40B4-BE49-F238E27FC236}">
+                <a16:creationId xmlns:a16="http://schemas.microsoft.com/office/drawing/2014/main" id="{7AEF4C51-E967-369C-A2BA-23CD5E2E86E3}"/>
+              </a:ext>
+            </a:extLst>
+          </p:cNvPr>
+          <p:cNvSpPr/>
+          <p:nvPr/>
+        </p:nvSpPr>
+        <p:spPr>
+          <a:xfrm>
+            <a:off x="8818544" y="3626407"/>
+            <a:ext cx="821241" cy="237381"/>
+          </a:xfrm>
+          <a:prstGeom prst="rect">
+            <a:avLst/>
+          </a:prstGeom>
+          <a:ln>
+            <a:noFill/>
+          </a:ln>
+        </p:spPr>
+        <p:style>
+          <a:lnRef idx="2">
+            <a:schemeClr val="accent1">
+              <a:shade val="15000"/>
+            </a:schemeClr>
+          </a:lnRef>
+          <a:fillRef idx="1">
+            <a:schemeClr val="accent1"/>
+          </a:fillRef>
+          <a:effectRef idx="0">
+            <a:schemeClr val="accent1"/>
+          </a:effectRef>
+          <a:fontRef idx="minor">
+            <a:schemeClr val="lt1"/>
+          </a:fontRef>
+        </p:style>
+        <p:txBody>
+          <a:bodyPr rtlCol="0" anchor="t"/>
+          <a:lstStyle/>
+          <a:p>
+            <a:pPr algn="ctr"/>
+            <a:r>
+              <a:rPr lang="en-US" altLang="zh-TW" sz="1000" dirty="0">
+                <a:solidFill>
+                  <a:schemeClr val="tx1"/>
+                </a:solidFill>
+              </a:rPr>
+              <a:t>Jack</a:t>
+            </a:r>
+            <a:endParaRPr lang="zh-TW" altLang="en-US" sz="1000" dirty="0">
+              <a:solidFill>
+                <a:schemeClr val="tx1"/>
+              </a:solidFill>
+            </a:endParaRPr>
+          </a:p>
+        </p:txBody>
+      </p:sp>
+      <p:sp>
+        <p:nvSpPr>
+          <p:cNvPr id="17" name="文字方塊 16">
+            <a:extLst>
+              <a:ext uri="{FF2B5EF4-FFF2-40B4-BE49-F238E27FC236}">
+                <a16:creationId xmlns:a16="http://schemas.microsoft.com/office/drawing/2014/main" id="{5FD361CF-C4BC-8228-2B5B-8B99766D78FA}"/>
+              </a:ext>
+            </a:extLst>
+          </p:cNvPr>
+          <p:cNvSpPr txBox="1"/>
+          <p:nvPr/>
+        </p:nvSpPr>
+        <p:spPr>
+          <a:xfrm>
+            <a:off x="5929915" y="2417497"/>
+            <a:ext cx="1180852" cy="369332"/>
+          </a:xfrm>
+          <a:prstGeom prst="rect">
+            <a:avLst/>
+          </a:prstGeom>
+          <a:noFill/>
+        </p:spPr>
+        <p:txBody>
+          <a:bodyPr wrap="square" rtlCol="0">
+            <a:spAutoFit/>
+          </a:bodyPr>
+          <a:lstStyle/>
+          <a:p>
+            <a:pPr algn="ctr"/>
+            <a:r>
+              <a:rPr lang="en-US" altLang="zh-TW" b="1" i="1" dirty="0" err="1"/>
+              <a:t>renameI</a:t>
+            </a:r>
+            <a:endParaRPr lang="zh-TW" altLang="en-US" b="1" i="1" dirty="0"/>
+          </a:p>
+        </p:txBody>
+      </p:sp>
+      <p:sp>
+        <p:nvSpPr>
+          <p:cNvPr id="18" name="矩形 17">
+            <a:extLst>
+              <a:ext uri="{FF2B5EF4-FFF2-40B4-BE49-F238E27FC236}">
+                <a16:creationId xmlns:a16="http://schemas.microsoft.com/office/drawing/2014/main" id="{AD9000FC-3D47-48F8-A986-7BE84683E131}"/>
+              </a:ext>
+            </a:extLst>
+          </p:cNvPr>
+          <p:cNvSpPr/>
+          <p:nvPr/>
+        </p:nvSpPr>
+        <p:spPr>
+          <a:xfrm>
+            <a:off x="6921955" y="3344018"/>
+            <a:ext cx="594398" cy="231739"/>
+          </a:xfrm>
+          <a:prstGeom prst="rect">
+            <a:avLst/>
+          </a:prstGeom>
+          <a:ln>
+            <a:noFill/>
+          </a:ln>
+        </p:spPr>
+        <p:style>
+          <a:lnRef idx="2">
+            <a:schemeClr val="accent1">
+              <a:shade val="15000"/>
+            </a:schemeClr>
+          </a:lnRef>
+          <a:fillRef idx="1">
+            <a:schemeClr val="accent1"/>
+          </a:fillRef>
+          <a:effectRef idx="0">
+            <a:schemeClr val="accent1"/>
+          </a:effectRef>
+          <a:fontRef idx="minor">
+            <a:schemeClr val="lt1"/>
+          </a:fontRef>
+        </p:style>
+        <p:txBody>
+          <a:bodyPr rtlCol="0" anchor="t"/>
+          <a:lstStyle/>
+          <a:p>
+            <a:pPr algn="ctr"/>
+            <a:r>
+              <a:rPr lang="en-US" altLang="zh-TW" sz="1000" dirty="0">
+                <a:solidFill>
+                  <a:schemeClr val="tx1"/>
+                </a:solidFill>
+              </a:rPr>
+              <a:t>people</a:t>
+            </a:r>
+            <a:endParaRPr lang="zh-TW" altLang="en-US" sz="1000" dirty="0">
+              <a:solidFill>
+                <a:schemeClr val="tx1"/>
+              </a:solidFill>
+            </a:endParaRPr>
+          </a:p>
+        </p:txBody>
+      </p:sp>
+      <p:cxnSp>
+        <p:nvCxnSpPr>
+          <p:cNvPr id="20" name="接點: 弧形 19">
+            <a:extLst>
+              <a:ext uri="{FF2B5EF4-FFF2-40B4-BE49-F238E27FC236}">
+                <a16:creationId xmlns:a16="http://schemas.microsoft.com/office/drawing/2014/main" id="{5B8858C1-8F76-40E5-2D1E-C85119253EA9}"/>
+              </a:ext>
+            </a:extLst>
+          </p:cNvPr>
+          <p:cNvCxnSpPr>
+            <a:cxnSpLocks/>
+            <a:stCxn id="15" idx="1"/>
+            <a:endCxn id="18" idx="1"/>
+          </p:cNvCxnSpPr>
+          <p:nvPr/>
+        </p:nvCxnSpPr>
+        <p:spPr>
+          <a:xfrm rot="10800000" flipH="1">
+            <a:off x="6912989" y="3459889"/>
+            <a:ext cx="8965" cy="313171"/>
+          </a:xfrm>
+          <a:prstGeom prst="curvedConnector3">
+            <a:avLst>
+              <a:gd name="adj1" fmla="val -2349916"/>
+            </a:avLst>
+          </a:prstGeom>
+          <a:ln w="28575">
+            <a:tailEnd type="triangle"/>
+          </a:ln>
+        </p:spPr>
+        <p:style>
+          <a:lnRef idx="1">
+            <a:schemeClr val="accent1"/>
+          </a:lnRef>
+          <a:fillRef idx="0">
+            <a:schemeClr val="accent1"/>
+          </a:fillRef>
+          <a:effectRef idx="0">
+            <a:schemeClr val="accent1"/>
+          </a:effectRef>
+          <a:fontRef idx="minor">
+            <a:schemeClr val="tx1"/>
+          </a:fontRef>
+        </p:style>
+      </p:cxnSp>
+      <p:sp>
+        <p:nvSpPr>
+          <p:cNvPr id="28" name="文字方塊 27">
+            <a:extLst>
+              <a:ext uri="{FF2B5EF4-FFF2-40B4-BE49-F238E27FC236}">
+                <a16:creationId xmlns:a16="http://schemas.microsoft.com/office/drawing/2014/main" id="{819D25AC-1EB0-5585-42B9-228B013C205A}"/>
+              </a:ext>
+            </a:extLst>
+          </p:cNvPr>
+          <p:cNvSpPr txBox="1"/>
+          <p:nvPr/>
+        </p:nvSpPr>
+        <p:spPr>
+          <a:xfrm>
+            <a:off x="6044081" y="3491753"/>
+            <a:ext cx="651632" cy="276999"/>
+          </a:xfrm>
+          <a:prstGeom prst="rect">
+            <a:avLst/>
+          </a:prstGeom>
+          <a:noFill/>
+        </p:spPr>
+        <p:txBody>
+          <a:bodyPr wrap="square" rtlCol="0">
+            <a:spAutoFit/>
+          </a:bodyPr>
+          <a:lstStyle/>
+          <a:p>
+            <a:pPr algn="ctr"/>
+            <a:r>
+              <a:rPr lang="zh-TW" altLang="en-US" sz="1200" dirty="0"/>
+              <a:t>複製</a:t>
+            </a:r>
+            <a:endParaRPr lang="en-US" altLang="zh-TW" sz="1200" dirty="0"/>
+          </a:p>
+        </p:txBody>
+      </p:sp>
+      <p:cxnSp>
+        <p:nvCxnSpPr>
+          <p:cNvPr id="30" name="接點: 弧形 29">
+            <a:extLst>
+              <a:ext uri="{FF2B5EF4-FFF2-40B4-BE49-F238E27FC236}">
+                <a16:creationId xmlns:a16="http://schemas.microsoft.com/office/drawing/2014/main" id="{62A9238D-898C-96EE-8E62-55C998FD0C2E}"/>
+              </a:ext>
+            </a:extLst>
+          </p:cNvPr>
+          <p:cNvCxnSpPr>
+            <a:stCxn id="15" idx="3"/>
+            <a:endCxn id="16" idx="1"/>
+          </p:cNvCxnSpPr>
+          <p:nvPr/>
+        </p:nvCxnSpPr>
+        <p:spPr>
+          <a:xfrm flipV="1">
+            <a:off x="7507388" y="3745098"/>
+            <a:ext cx="1311156" cy="27961"/>
+          </a:xfrm>
+          <a:prstGeom prst="curvedConnector3">
+            <a:avLst>
+              <a:gd name="adj1" fmla="val 53419"/>
+            </a:avLst>
+          </a:prstGeom>
+          <a:ln w="19050">
+            <a:tailEnd type="triangle"/>
+          </a:ln>
+        </p:spPr>
+        <p:style>
+          <a:lnRef idx="1">
+            <a:schemeClr val="accent1"/>
+          </a:lnRef>
+          <a:fillRef idx="0">
+            <a:schemeClr val="accent1"/>
+          </a:fillRef>
+          <a:effectRef idx="0">
+            <a:schemeClr val="accent1"/>
+          </a:effectRef>
+          <a:fontRef idx="minor">
+            <a:schemeClr val="tx1"/>
+          </a:fontRef>
+        </p:style>
+      </p:cxnSp>
+      <p:cxnSp>
+        <p:nvCxnSpPr>
+          <p:cNvPr id="33" name="接點: 弧形 32">
+            <a:extLst>
+              <a:ext uri="{FF2B5EF4-FFF2-40B4-BE49-F238E27FC236}">
+                <a16:creationId xmlns:a16="http://schemas.microsoft.com/office/drawing/2014/main" id="{72D85A0E-7D15-D826-138F-B04A2553DA17}"/>
+              </a:ext>
+            </a:extLst>
+          </p:cNvPr>
+          <p:cNvCxnSpPr>
+            <a:cxnSpLocks/>
+            <a:endCxn id="16" idx="1"/>
+          </p:cNvCxnSpPr>
+          <p:nvPr/>
+        </p:nvCxnSpPr>
+        <p:spPr>
+          <a:xfrm>
+            <a:off x="7516353" y="3510538"/>
+            <a:ext cx="1302191" cy="234560"/>
+          </a:xfrm>
+          <a:prstGeom prst="curvedConnector3">
+            <a:avLst>
+              <a:gd name="adj1" fmla="val 50000"/>
+            </a:avLst>
+          </a:prstGeom>
+          <a:ln w="19050">
+            <a:tailEnd type="triangle"/>
+          </a:ln>
+        </p:spPr>
+        <p:style>
+          <a:lnRef idx="1">
+            <a:schemeClr val="accent1"/>
+          </a:lnRef>
+          <a:fillRef idx="0">
+            <a:schemeClr val="accent1"/>
+          </a:fillRef>
+          <a:effectRef idx="0">
+            <a:schemeClr val="accent1"/>
+          </a:effectRef>
+          <a:fontRef idx="minor">
+            <a:schemeClr val="tx1"/>
+          </a:fontRef>
+        </p:style>
+      </p:cxnSp>
+      <p:sp>
+        <p:nvSpPr>
+          <p:cNvPr id="36" name="矩形 35">
+            <a:extLst>
+              <a:ext uri="{FF2B5EF4-FFF2-40B4-BE49-F238E27FC236}">
+                <a16:creationId xmlns:a16="http://schemas.microsoft.com/office/drawing/2014/main" id="{F6F9B8E9-4D90-A55F-60B1-5427964E81B3}"/>
+              </a:ext>
+            </a:extLst>
+          </p:cNvPr>
+          <p:cNvSpPr/>
+          <p:nvPr/>
+        </p:nvSpPr>
+        <p:spPr>
+          <a:xfrm>
+            <a:off x="8818544" y="3064591"/>
+            <a:ext cx="821241" cy="237381"/>
+          </a:xfrm>
+          <a:prstGeom prst="rect">
+            <a:avLst/>
+          </a:prstGeom>
+          <a:ln w="28575">
+            <a:solidFill>
+              <a:srgbClr val="FF0000"/>
+            </a:solidFill>
+          </a:ln>
+        </p:spPr>
+        <p:style>
+          <a:lnRef idx="2">
+            <a:schemeClr val="accent1">
+              <a:shade val="15000"/>
+            </a:schemeClr>
+          </a:lnRef>
+          <a:fillRef idx="1">
+            <a:schemeClr val="accent1"/>
+          </a:fillRef>
+          <a:effectRef idx="0">
+            <a:schemeClr val="accent1"/>
+          </a:effectRef>
+          <a:fontRef idx="minor">
+            <a:schemeClr val="lt1"/>
+          </a:fontRef>
+        </p:style>
+        <p:txBody>
+          <a:bodyPr rtlCol="0" anchor="t"/>
+          <a:lstStyle/>
+          <a:p>
+            <a:pPr algn="ctr"/>
+            <a:r>
+              <a:rPr lang="en-US" altLang="zh-TW" sz="1000" dirty="0">
+                <a:solidFill>
+                  <a:schemeClr val="tx1"/>
+                </a:solidFill>
+              </a:rPr>
+              <a:t>Jackson</a:t>
+            </a:r>
+            <a:endParaRPr lang="zh-TW" altLang="en-US" sz="1000" dirty="0">
+              <a:solidFill>
+                <a:schemeClr val="tx1"/>
+              </a:solidFill>
+            </a:endParaRPr>
+          </a:p>
+        </p:txBody>
+      </p:sp>
+      <p:cxnSp>
+        <p:nvCxnSpPr>
+          <p:cNvPr id="37" name="接點: 弧形 36">
+            <a:extLst>
+              <a:ext uri="{FF2B5EF4-FFF2-40B4-BE49-F238E27FC236}">
+                <a16:creationId xmlns:a16="http://schemas.microsoft.com/office/drawing/2014/main" id="{3F1F735D-F994-76CF-BB69-BC4461419AEE}"/>
+              </a:ext>
+            </a:extLst>
+          </p:cNvPr>
+          <p:cNvCxnSpPr>
+            <a:cxnSpLocks/>
+            <a:stCxn id="18" idx="3"/>
+            <a:endCxn id="36" idx="1"/>
+          </p:cNvCxnSpPr>
+          <p:nvPr/>
+        </p:nvCxnSpPr>
+        <p:spPr>
+          <a:xfrm flipV="1">
+            <a:off x="7516353" y="3183282"/>
+            <a:ext cx="1302191" cy="276606"/>
+          </a:xfrm>
+          <a:prstGeom prst="curvedConnector3">
+            <a:avLst>
+              <a:gd name="adj1" fmla="val 50000"/>
+            </a:avLst>
+          </a:prstGeom>
+          <a:ln w="19050">
+            <a:tailEnd type="triangle"/>
+          </a:ln>
+        </p:spPr>
+        <p:style>
+          <a:lnRef idx="1">
+            <a:schemeClr val="accent1"/>
+          </a:lnRef>
+          <a:fillRef idx="0">
+            <a:schemeClr val="accent1"/>
+          </a:fillRef>
+          <a:effectRef idx="0">
+            <a:schemeClr val="accent1"/>
+          </a:effectRef>
+          <a:fontRef idx="minor">
+            <a:schemeClr val="tx1"/>
+          </a:fontRef>
+        </p:style>
+      </p:cxnSp>
+      <p:sp>
+        <p:nvSpPr>
+          <p:cNvPr id="42" name="乘號 41">
+            <a:extLst>
+              <a:ext uri="{FF2B5EF4-FFF2-40B4-BE49-F238E27FC236}">
+                <a16:creationId xmlns:a16="http://schemas.microsoft.com/office/drawing/2014/main" id="{EED3FAA2-E68D-5F16-F6FA-C43A04DE5FC2}"/>
+              </a:ext>
+            </a:extLst>
+          </p:cNvPr>
+          <p:cNvSpPr/>
+          <p:nvPr/>
+        </p:nvSpPr>
+        <p:spPr>
+          <a:xfrm>
+            <a:off x="7965891" y="3483802"/>
+            <a:ext cx="177991" cy="183910"/>
+          </a:xfrm>
+          <a:prstGeom prst="mathMultiply">
+            <a:avLst/>
+          </a:prstGeom>
+          <a:solidFill>
+            <a:srgbClr val="FF0000"/>
+          </a:solidFill>
+        </p:spPr>
+        <p:style>
+          <a:lnRef idx="2">
+            <a:schemeClr val="accent1">
+              <a:shade val="15000"/>
+            </a:schemeClr>
+          </a:lnRef>
+          <a:fillRef idx="1">
+            <a:schemeClr val="accent1"/>
+          </a:fillRef>
+          <a:effectRef idx="0">
+            <a:schemeClr val="accent1"/>
+          </a:effectRef>
+          <a:fontRef idx="minor">
+            <a:schemeClr val="lt1"/>
+          </a:fontRef>
+        </p:style>
+        <p:txBody>
+          <a:bodyPr rtlCol="0" anchor="ctr"/>
+          <a:lstStyle/>
+          <a:p>
+            <a:pPr algn="ctr"/>
+            <a:endParaRPr lang="zh-TW" altLang="en-US"/>
+          </a:p>
+        </p:txBody>
+      </p:sp>
+      <p:sp>
+        <p:nvSpPr>
+          <p:cNvPr id="43" name="文字方塊 42">
+            <a:extLst>
+              <a:ext uri="{FF2B5EF4-FFF2-40B4-BE49-F238E27FC236}">
+                <a16:creationId xmlns:a16="http://schemas.microsoft.com/office/drawing/2014/main" id="{EA9DDACE-4437-FF3D-4FD6-372ADB0EF84B}"/>
+              </a:ext>
+            </a:extLst>
+          </p:cNvPr>
+          <p:cNvSpPr txBox="1"/>
+          <p:nvPr/>
+        </p:nvSpPr>
+        <p:spPr>
+          <a:xfrm>
+            <a:off x="7537791" y="3755621"/>
+            <a:ext cx="550580" cy="261610"/>
+          </a:xfrm>
+          <a:prstGeom prst="rect">
+            <a:avLst/>
+          </a:prstGeom>
+          <a:noFill/>
+        </p:spPr>
+        <p:txBody>
+          <a:bodyPr wrap="square" rtlCol="0">
+            <a:spAutoFit/>
+          </a:bodyPr>
+          <a:lstStyle/>
+          <a:p>
+            <a:pPr algn="ctr"/>
+            <a:r>
+              <a:rPr lang="en-US" altLang="zh-TW" sz="1100" dirty="0"/>
+              <a:t>(1)</a:t>
+            </a:r>
+            <a:endParaRPr lang="zh-TW" altLang="en-US" sz="1100" dirty="0"/>
+          </a:p>
+        </p:txBody>
+      </p:sp>
+      <p:sp>
+        <p:nvSpPr>
+          <p:cNvPr id="44" name="文字方塊 43">
+            <a:extLst>
+              <a:ext uri="{FF2B5EF4-FFF2-40B4-BE49-F238E27FC236}">
+                <a16:creationId xmlns:a16="http://schemas.microsoft.com/office/drawing/2014/main" id="{DADF5BF0-8EA2-C8D6-74EB-570C49D5540C}"/>
+              </a:ext>
+            </a:extLst>
+          </p:cNvPr>
+          <p:cNvSpPr txBox="1"/>
+          <p:nvPr/>
+        </p:nvSpPr>
+        <p:spPr>
+          <a:xfrm>
+            <a:off x="8035497" y="3451169"/>
+            <a:ext cx="550580" cy="261610"/>
+          </a:xfrm>
+          <a:prstGeom prst="rect">
+            <a:avLst/>
+          </a:prstGeom>
+          <a:noFill/>
+        </p:spPr>
+        <p:txBody>
+          <a:bodyPr wrap="square" rtlCol="0">
+            <a:spAutoFit/>
+          </a:bodyPr>
+          <a:lstStyle/>
+          <a:p>
+            <a:pPr algn="ctr"/>
+            <a:r>
+              <a:rPr lang="en-US" altLang="zh-TW" sz="1100" dirty="0"/>
+              <a:t>(2)</a:t>
+            </a:r>
+            <a:endParaRPr lang="zh-TW" altLang="en-US" sz="1100" dirty="0"/>
+          </a:p>
+        </p:txBody>
+      </p:sp>
+      <p:sp>
+        <p:nvSpPr>
+          <p:cNvPr id="45" name="文字方塊 44">
+            <a:extLst>
+              <a:ext uri="{FF2B5EF4-FFF2-40B4-BE49-F238E27FC236}">
+                <a16:creationId xmlns:a16="http://schemas.microsoft.com/office/drawing/2014/main" id="{74DD51AE-501D-70A9-FB97-EF72433E0FEE}"/>
+              </a:ext>
+            </a:extLst>
+          </p:cNvPr>
+          <p:cNvSpPr txBox="1"/>
+          <p:nvPr/>
+        </p:nvSpPr>
+        <p:spPr>
+          <a:xfrm>
+            <a:off x="7686278" y="3092553"/>
+            <a:ext cx="550580" cy="261610"/>
+          </a:xfrm>
+          <a:prstGeom prst="rect">
+            <a:avLst/>
+          </a:prstGeom>
+          <a:noFill/>
+        </p:spPr>
+        <p:txBody>
+          <a:bodyPr wrap="square" rtlCol="0">
+            <a:spAutoFit/>
+          </a:bodyPr>
+          <a:lstStyle/>
+          <a:p>
+            <a:pPr algn="ctr"/>
+            <a:r>
+              <a:rPr lang="en-US" altLang="zh-TW" sz="1100" dirty="0"/>
+              <a:t>(3)</a:t>
+            </a:r>
+            <a:endParaRPr lang="zh-TW" altLang="en-US" sz="1100" dirty="0"/>
+          </a:p>
+        </p:txBody>
+      </p:sp>
+      <p:sp>
+        <p:nvSpPr>
+          <p:cNvPr id="46" name="文字方塊 45">
+            <a:extLst>
+              <a:ext uri="{FF2B5EF4-FFF2-40B4-BE49-F238E27FC236}">
+                <a16:creationId xmlns:a16="http://schemas.microsoft.com/office/drawing/2014/main" id="{157768A9-DA31-9BBC-0F37-15844CD01208}"/>
+              </a:ext>
+            </a:extLst>
+          </p:cNvPr>
+          <p:cNvSpPr txBox="1"/>
+          <p:nvPr/>
+        </p:nvSpPr>
+        <p:spPr>
+          <a:xfrm>
+            <a:off x="6245051" y="4626797"/>
+            <a:ext cx="550580" cy="261610"/>
+          </a:xfrm>
+          <a:prstGeom prst="rect">
+            <a:avLst/>
+          </a:prstGeom>
+          <a:noFill/>
+        </p:spPr>
+        <p:txBody>
+          <a:bodyPr wrap="square" rtlCol="0">
+            <a:spAutoFit/>
+          </a:bodyPr>
+          <a:lstStyle/>
+          <a:p>
+            <a:pPr algn="ctr"/>
+            <a:r>
+              <a:rPr lang="en-US" altLang="zh-TW" sz="1100" dirty="0"/>
+              <a:t>(1)</a:t>
+            </a:r>
+            <a:endParaRPr lang="zh-TW" altLang="en-US" sz="1100" dirty="0"/>
+          </a:p>
+        </p:txBody>
+      </p:sp>
+      <p:sp>
+        <p:nvSpPr>
+          <p:cNvPr id="54" name="文字方塊 53">
+            <a:extLst>
+              <a:ext uri="{FF2B5EF4-FFF2-40B4-BE49-F238E27FC236}">
+                <a16:creationId xmlns:a16="http://schemas.microsoft.com/office/drawing/2014/main" id="{230964BE-5DBB-7F6E-7603-062361915095}"/>
+              </a:ext>
+            </a:extLst>
+          </p:cNvPr>
+          <p:cNvSpPr txBox="1"/>
+          <p:nvPr/>
+        </p:nvSpPr>
+        <p:spPr>
+          <a:xfrm>
+            <a:off x="6695713" y="4579382"/>
+            <a:ext cx="4563958" cy="369332"/>
+          </a:xfrm>
+          <a:prstGeom prst="rect">
+            <a:avLst/>
+          </a:prstGeom>
+          <a:noFill/>
+        </p:spPr>
+        <p:txBody>
+          <a:bodyPr wrap="square">
+            <a:spAutoFit/>
+          </a:bodyPr>
+          <a:lstStyle/>
+          <a:p>
+            <a:pPr marL="0" marR="0">
+              <a:spcBef>
+                <a:spcPts val="0"/>
+              </a:spcBef>
+              <a:spcAft>
+                <a:spcPts val="0"/>
+              </a:spcAft>
+            </a:pPr>
+            <a:r>
+              <a:rPr lang="en-US" altLang="zh-TW" sz="1800" dirty="0">
+                <a:solidFill>
+                  <a:srgbClr val="000000"/>
+                </a:solidFill>
+                <a:effectLst/>
+                <a:latin typeface="Consolas" panose="020B0609020204030204" pitchFamily="49" charset="0"/>
+              </a:rPr>
+              <a:t>People </a:t>
+            </a:r>
+            <a:r>
+              <a:rPr lang="en-US" altLang="zh-TW" sz="1800" dirty="0" err="1">
+                <a:solidFill>
+                  <a:srgbClr val="6A3E3E"/>
+                </a:solidFill>
+                <a:effectLst/>
+                <a:latin typeface="Consolas" panose="020B0609020204030204" pitchFamily="49" charset="0"/>
+              </a:rPr>
+              <a:t>people</a:t>
+            </a:r>
+            <a:r>
+              <a:rPr lang="en-US" altLang="zh-TW" sz="1800" dirty="0">
+                <a:solidFill>
+                  <a:srgbClr val="000000"/>
+                </a:solidFill>
+                <a:effectLst/>
+                <a:latin typeface="Consolas" panose="020B0609020204030204" pitchFamily="49" charset="0"/>
+              </a:rPr>
+              <a:t> = </a:t>
+            </a:r>
+            <a:r>
+              <a:rPr lang="en-US" altLang="zh-TW" sz="1800" b="1" dirty="0">
+                <a:solidFill>
+                  <a:srgbClr val="7F0055"/>
+                </a:solidFill>
+                <a:effectLst/>
+                <a:latin typeface="Consolas" panose="020B0609020204030204" pitchFamily="49" charset="0"/>
+              </a:rPr>
+              <a:t>new</a:t>
+            </a:r>
+            <a:r>
+              <a:rPr lang="en-US" altLang="zh-TW" sz="1800" dirty="0">
+                <a:solidFill>
+                  <a:srgbClr val="000000"/>
+                </a:solidFill>
+                <a:effectLst/>
+                <a:latin typeface="Consolas" panose="020B0609020204030204" pitchFamily="49" charset="0"/>
+              </a:rPr>
+              <a:t> People(</a:t>
+            </a:r>
+            <a:r>
+              <a:rPr lang="en-US" altLang="zh-TW" sz="1800" dirty="0">
+                <a:solidFill>
+                  <a:srgbClr val="2A00FF"/>
+                </a:solidFill>
+                <a:effectLst/>
+                <a:latin typeface="Consolas" panose="020B0609020204030204" pitchFamily="49" charset="0"/>
+              </a:rPr>
+              <a:t>"Jack"</a:t>
+            </a:r>
+            <a:r>
+              <a:rPr lang="en-US" altLang="zh-TW" sz="1800" dirty="0">
+                <a:solidFill>
+                  <a:srgbClr val="000000"/>
+                </a:solidFill>
+                <a:effectLst/>
+                <a:latin typeface="Consolas" panose="020B0609020204030204" pitchFamily="49" charset="0"/>
+              </a:rPr>
+              <a:t>);</a:t>
+            </a:r>
+          </a:p>
+        </p:txBody>
+      </p:sp>
+      <p:sp>
+        <p:nvSpPr>
+          <p:cNvPr id="55" name="文字方塊 54">
+            <a:extLst>
+              <a:ext uri="{FF2B5EF4-FFF2-40B4-BE49-F238E27FC236}">
+                <a16:creationId xmlns:a16="http://schemas.microsoft.com/office/drawing/2014/main" id="{80B57B32-7546-B02D-3E78-6DB9F74BBD36}"/>
+              </a:ext>
+            </a:extLst>
+          </p:cNvPr>
+          <p:cNvSpPr txBox="1"/>
+          <p:nvPr/>
+        </p:nvSpPr>
+        <p:spPr>
+          <a:xfrm>
+            <a:off x="6251941" y="5146074"/>
+            <a:ext cx="550580" cy="261610"/>
+          </a:xfrm>
+          <a:prstGeom prst="rect">
+            <a:avLst/>
+          </a:prstGeom>
+          <a:noFill/>
+        </p:spPr>
+        <p:txBody>
+          <a:bodyPr wrap="square" rtlCol="0">
+            <a:spAutoFit/>
+          </a:bodyPr>
+          <a:lstStyle/>
+          <a:p>
+            <a:pPr algn="ctr"/>
+            <a:r>
+              <a:rPr lang="en-US" altLang="zh-TW" sz="1100" dirty="0"/>
+              <a:t>(2)</a:t>
+            </a:r>
+            <a:endParaRPr lang="zh-TW" altLang="en-US" sz="1100" dirty="0"/>
+          </a:p>
+        </p:txBody>
+      </p:sp>
+      <p:sp>
+        <p:nvSpPr>
+          <p:cNvPr id="57" name="文字方塊 56">
+            <a:extLst>
+              <a:ext uri="{FF2B5EF4-FFF2-40B4-BE49-F238E27FC236}">
+                <a16:creationId xmlns:a16="http://schemas.microsoft.com/office/drawing/2014/main" id="{9530AD90-E414-3F72-69C3-D54275F0B7C5}"/>
+              </a:ext>
+            </a:extLst>
+          </p:cNvPr>
+          <p:cNvSpPr txBox="1"/>
+          <p:nvPr/>
+        </p:nvSpPr>
+        <p:spPr>
+          <a:xfrm>
+            <a:off x="6695713" y="5074162"/>
+            <a:ext cx="6396316" cy="369332"/>
+          </a:xfrm>
+          <a:prstGeom prst="rect">
+            <a:avLst/>
+          </a:prstGeom>
+          <a:noFill/>
+        </p:spPr>
+        <p:txBody>
+          <a:bodyPr wrap="square">
+            <a:spAutoFit/>
+          </a:bodyPr>
+          <a:lstStyle/>
+          <a:p>
+            <a:pPr marL="0" marR="0">
+              <a:spcBef>
+                <a:spcPts val="0"/>
+              </a:spcBef>
+              <a:spcAft>
+                <a:spcPts val="0"/>
+              </a:spcAft>
+            </a:pPr>
+            <a:r>
+              <a:rPr lang="en-US" altLang="zh-TW" sz="1800" b="1" dirty="0">
+                <a:solidFill>
+                  <a:srgbClr val="7F0055"/>
+                </a:solidFill>
+                <a:effectLst/>
+                <a:latin typeface="Consolas" panose="020B0609020204030204" pitchFamily="49" charset="0"/>
+              </a:rPr>
+              <a:t>public</a:t>
+            </a:r>
+            <a:r>
+              <a:rPr lang="en-US" altLang="zh-TW" sz="1800" dirty="0">
+                <a:solidFill>
+                  <a:srgbClr val="000000"/>
+                </a:solidFill>
+                <a:effectLst/>
+                <a:latin typeface="Consolas" panose="020B0609020204030204" pitchFamily="49" charset="0"/>
+              </a:rPr>
+              <a:t> </a:t>
+            </a:r>
+            <a:r>
+              <a:rPr lang="en-US" altLang="zh-TW" sz="1800" b="1" dirty="0">
+                <a:solidFill>
+                  <a:srgbClr val="7F0055"/>
+                </a:solidFill>
+                <a:effectLst/>
+                <a:latin typeface="Consolas" panose="020B0609020204030204" pitchFamily="49" charset="0"/>
+              </a:rPr>
+              <a:t>static</a:t>
+            </a:r>
+            <a:r>
+              <a:rPr lang="en-US" altLang="zh-TW" sz="1800" dirty="0">
+                <a:solidFill>
+                  <a:srgbClr val="000000"/>
+                </a:solidFill>
+                <a:effectLst/>
+                <a:latin typeface="Consolas" panose="020B0609020204030204" pitchFamily="49" charset="0"/>
+              </a:rPr>
+              <a:t> </a:t>
+            </a:r>
+            <a:r>
+              <a:rPr lang="en-US" altLang="zh-TW" sz="1800" b="1" dirty="0">
+                <a:solidFill>
+                  <a:srgbClr val="7F0055"/>
+                </a:solidFill>
+                <a:effectLst/>
+                <a:latin typeface="Consolas" panose="020B0609020204030204" pitchFamily="49" charset="0"/>
+              </a:rPr>
+              <a:t>void</a:t>
+            </a:r>
+            <a:r>
+              <a:rPr lang="en-US" altLang="zh-TW" sz="1800" dirty="0">
+                <a:solidFill>
+                  <a:srgbClr val="000000"/>
+                </a:solidFill>
+                <a:effectLst/>
+                <a:latin typeface="Consolas" panose="020B0609020204030204" pitchFamily="49" charset="0"/>
+              </a:rPr>
+              <a:t> </a:t>
+            </a:r>
+            <a:r>
+              <a:rPr lang="en-US" altLang="zh-TW" sz="1800" dirty="0" err="1">
+                <a:solidFill>
+                  <a:srgbClr val="000000"/>
+                </a:solidFill>
+                <a:effectLst/>
+                <a:latin typeface="Consolas" panose="020B0609020204030204" pitchFamily="49" charset="0"/>
+              </a:rPr>
+              <a:t>renameI</a:t>
+            </a:r>
+            <a:r>
+              <a:rPr lang="en-US" altLang="zh-TW" sz="1800" dirty="0">
+                <a:solidFill>
+                  <a:srgbClr val="000000"/>
+                </a:solidFill>
+                <a:effectLst/>
+                <a:latin typeface="Consolas" panose="020B0609020204030204" pitchFamily="49" charset="0"/>
+              </a:rPr>
+              <a:t>(People </a:t>
+            </a:r>
+            <a:r>
+              <a:rPr lang="en-US" altLang="zh-TW" sz="1800" dirty="0">
+                <a:solidFill>
+                  <a:srgbClr val="6A3E3E"/>
+                </a:solidFill>
+                <a:effectLst/>
+                <a:latin typeface="Consolas" panose="020B0609020204030204" pitchFamily="49" charset="0"/>
+              </a:rPr>
+              <a:t>people</a:t>
+            </a:r>
+            <a:r>
+              <a:rPr lang="en-US" altLang="zh-TW" sz="1800" dirty="0">
+                <a:solidFill>
+                  <a:srgbClr val="000000"/>
+                </a:solidFill>
+                <a:effectLst/>
+                <a:latin typeface="Consolas" panose="020B0609020204030204" pitchFamily="49" charset="0"/>
+              </a:rPr>
+              <a:t>)</a:t>
+            </a:r>
+          </a:p>
+        </p:txBody>
+      </p:sp>
+      <p:sp>
+        <p:nvSpPr>
+          <p:cNvPr id="58" name="文字方塊 57">
+            <a:extLst>
+              <a:ext uri="{FF2B5EF4-FFF2-40B4-BE49-F238E27FC236}">
+                <a16:creationId xmlns:a16="http://schemas.microsoft.com/office/drawing/2014/main" id="{421260DC-5287-F478-5B08-776FE9E43504}"/>
+              </a:ext>
+            </a:extLst>
+          </p:cNvPr>
+          <p:cNvSpPr txBox="1"/>
+          <p:nvPr/>
+        </p:nvSpPr>
+        <p:spPr>
+          <a:xfrm>
+            <a:off x="6251941" y="5665351"/>
+            <a:ext cx="550580" cy="261610"/>
+          </a:xfrm>
+          <a:prstGeom prst="rect">
+            <a:avLst/>
+          </a:prstGeom>
+          <a:noFill/>
+        </p:spPr>
+        <p:txBody>
+          <a:bodyPr wrap="square" rtlCol="0">
+            <a:spAutoFit/>
+          </a:bodyPr>
+          <a:lstStyle/>
+          <a:p>
+            <a:pPr algn="ctr"/>
+            <a:r>
+              <a:rPr lang="en-US" altLang="zh-TW" sz="1100" dirty="0"/>
+              <a:t>(3)</a:t>
+            </a:r>
+            <a:endParaRPr lang="zh-TW" altLang="en-US" sz="1100" dirty="0"/>
+          </a:p>
+        </p:txBody>
+      </p:sp>
+      <p:sp>
+        <p:nvSpPr>
+          <p:cNvPr id="60" name="文字方塊 59">
+            <a:extLst>
+              <a:ext uri="{FF2B5EF4-FFF2-40B4-BE49-F238E27FC236}">
+                <a16:creationId xmlns:a16="http://schemas.microsoft.com/office/drawing/2014/main" id="{79DD6DD6-86F6-8B04-E16D-8244A88DBC30}"/>
+              </a:ext>
+            </a:extLst>
+          </p:cNvPr>
+          <p:cNvSpPr txBox="1"/>
+          <p:nvPr/>
+        </p:nvSpPr>
+        <p:spPr>
+          <a:xfrm>
+            <a:off x="6695713" y="5585944"/>
+            <a:ext cx="4244609" cy="369332"/>
+          </a:xfrm>
+          <a:prstGeom prst="rect">
+            <a:avLst/>
+          </a:prstGeom>
+          <a:noFill/>
+        </p:spPr>
+        <p:txBody>
+          <a:bodyPr wrap="square">
+            <a:spAutoFit/>
+          </a:bodyPr>
+          <a:lstStyle/>
+          <a:p>
+            <a:pPr marL="0" marR="0">
+              <a:spcBef>
+                <a:spcPts val="0"/>
+              </a:spcBef>
+              <a:spcAft>
+                <a:spcPts val="0"/>
+              </a:spcAft>
+            </a:pPr>
+            <a:r>
+              <a:rPr lang="en-US" altLang="zh-TW" sz="1800" dirty="0">
+                <a:solidFill>
+                  <a:srgbClr val="6A3E3E"/>
+                </a:solidFill>
+                <a:effectLst/>
+                <a:latin typeface="Consolas" panose="020B0609020204030204" pitchFamily="49" charset="0"/>
+              </a:rPr>
+              <a:t>people</a:t>
+            </a:r>
+            <a:r>
+              <a:rPr lang="en-US" altLang="zh-TW" sz="1800" dirty="0">
+                <a:solidFill>
+                  <a:srgbClr val="000000"/>
+                </a:solidFill>
+                <a:effectLst/>
+                <a:latin typeface="Consolas" panose="020B0609020204030204" pitchFamily="49" charset="0"/>
+              </a:rPr>
+              <a:t> = </a:t>
+            </a:r>
+            <a:r>
+              <a:rPr lang="en-US" altLang="zh-TW" sz="1800" b="1" dirty="0">
+                <a:solidFill>
+                  <a:srgbClr val="7F0055"/>
+                </a:solidFill>
+                <a:effectLst/>
+                <a:latin typeface="Consolas" panose="020B0609020204030204" pitchFamily="49" charset="0"/>
+              </a:rPr>
+              <a:t>new</a:t>
+            </a:r>
+            <a:r>
+              <a:rPr lang="en-US" altLang="zh-TW" sz="1800" dirty="0">
+                <a:solidFill>
+                  <a:srgbClr val="000000"/>
+                </a:solidFill>
+                <a:effectLst/>
+                <a:latin typeface="Consolas" panose="020B0609020204030204" pitchFamily="49" charset="0"/>
+              </a:rPr>
+              <a:t> People(</a:t>
+            </a:r>
+            <a:r>
+              <a:rPr lang="en-US" altLang="zh-TW" sz="1800" dirty="0">
+                <a:solidFill>
+                  <a:srgbClr val="2A00FF"/>
+                </a:solidFill>
+                <a:effectLst/>
+                <a:latin typeface="Consolas" panose="020B0609020204030204" pitchFamily="49" charset="0"/>
+              </a:rPr>
+              <a:t>"Jackson"</a:t>
+            </a:r>
+            <a:r>
+              <a:rPr lang="en-US" altLang="zh-TW" sz="1800" dirty="0">
+                <a:solidFill>
+                  <a:srgbClr val="000000"/>
+                </a:solidFill>
+                <a:effectLst/>
+                <a:latin typeface="Consolas" panose="020B0609020204030204" pitchFamily="49" charset="0"/>
+              </a:rPr>
+              <a:t>);</a:t>
+            </a:r>
+          </a:p>
+        </p:txBody>
+      </p:sp>
+      <p:sp>
+        <p:nvSpPr>
+          <p:cNvPr id="61" name="矩形 60">
+            <a:extLst>
+              <a:ext uri="{FF2B5EF4-FFF2-40B4-BE49-F238E27FC236}">
+                <a16:creationId xmlns:a16="http://schemas.microsoft.com/office/drawing/2014/main" id="{52B449B6-18CA-2E49-09A9-67F0C99F93FE}"/>
+              </a:ext>
+            </a:extLst>
+          </p:cNvPr>
+          <p:cNvSpPr/>
+          <p:nvPr/>
+        </p:nvSpPr>
+        <p:spPr>
+          <a:xfrm>
+            <a:off x="1999129" y="5549154"/>
+            <a:ext cx="3532095" cy="466164"/>
+          </a:xfrm>
+          <a:prstGeom prst="rect">
+            <a:avLst/>
+          </a:prstGeom>
+          <a:noFill/>
+          <a:ln w="28575">
+            <a:solidFill>
+              <a:srgbClr val="FF0000"/>
+            </a:solidFill>
+          </a:ln>
+        </p:spPr>
+        <p:style>
+          <a:lnRef idx="2">
+            <a:schemeClr val="accent1">
+              <a:shade val="15000"/>
+            </a:schemeClr>
+          </a:lnRef>
+          <a:fillRef idx="1">
+            <a:schemeClr val="accent1"/>
+          </a:fillRef>
+          <a:effectRef idx="0">
+            <a:schemeClr val="accent1"/>
+          </a:effectRef>
+          <a:fontRef idx="minor">
+            <a:schemeClr val="lt1"/>
+          </a:fontRef>
+        </p:style>
+        <p:txBody>
+          <a:bodyPr rtlCol="0" anchor="ctr"/>
+          <a:lstStyle/>
+          <a:p>
+            <a:pPr algn="ctr"/>
+            <a:endParaRPr lang="zh-TW" altLang="en-US"/>
+          </a:p>
+        </p:txBody>
+      </p:sp>
+    </p:spTree>
+    <p:extLst>
+      <p:ext uri="{BB962C8B-B14F-4D97-AF65-F5344CB8AC3E}">
+        <p14:creationId xmlns:p14="http://schemas.microsoft.com/office/powerpoint/2010/main" val="1911636675"/>
+      </p:ext>
+    </p:extLst>
+  </p:cSld>
+  <p:clrMapOvr>
+    <a:masterClrMapping/>
+  </p:clrMapOvr>
+</p:sld>
+</file>
+
 <file path=ppt/slides/slide2.xml><?xml version="1.0" encoding="utf-8"?>
 <p:sld xmlns:a="http://schemas.openxmlformats.org/drawingml/2006/main" xmlns:r="http://schemas.openxmlformats.org/officeDocument/2006/relationships" xmlns:p="http://schemas.openxmlformats.org/presentationml/2006/main">
   <p:cSld>

--- a/Java 相關/面試問題.pptx
+++ b/Java 相關/面試問題.pptx
@@ -18,6 +18,7 @@
     <p:sldId id="266" r:id="rId12"/>
     <p:sldId id="268" r:id="rId13"/>
     <p:sldId id="270" r:id="rId14"/>
+    <p:sldId id="271" r:id="rId15"/>
   </p:sldIdLst>
   <p:sldSz cx="12192000" cy="6858000"/>
   <p:notesSz cx="6858000" cy="9144000"/>
@@ -1335,7 +1336,7 @@
           <a:p>
             <a:fld id="{654AE61A-BA35-4049-814A-A64EFCA36CDD}" type="datetimeFigureOut">
               <a:rPr lang="zh-TW" altLang="en-US" smtClean="0"/>
-              <a:t>2023/10/30</a:t>
+              <a:t>2023/10/31</a:t>
             </a:fld>
             <a:endParaRPr lang="zh-TW" altLang="en-US"/>
           </a:p>
@@ -1573,7 +1574,7 @@
           <a:p>
             <a:fld id="{654AE61A-BA35-4049-814A-A64EFCA36CDD}" type="datetimeFigureOut">
               <a:rPr lang="zh-TW" altLang="en-US" smtClean="0"/>
-              <a:t>2023/10/30</a:t>
+              <a:t>2023/10/31</a:t>
             </a:fld>
             <a:endParaRPr lang="zh-TW" altLang="en-US"/>
           </a:p>
@@ -1753,7 +1754,7 @@
           <a:p>
             <a:fld id="{654AE61A-BA35-4049-814A-A64EFCA36CDD}" type="datetimeFigureOut">
               <a:rPr lang="zh-TW" altLang="en-US" smtClean="0"/>
-              <a:t>2023/10/30</a:t>
+              <a:t>2023/10/31</a:t>
             </a:fld>
             <a:endParaRPr lang="zh-TW" altLang="en-US"/>
           </a:p>
@@ -1923,7 +1924,7 @@
           <a:p>
             <a:fld id="{654AE61A-BA35-4049-814A-A64EFCA36CDD}" type="datetimeFigureOut">
               <a:rPr lang="zh-TW" altLang="en-US" smtClean="0"/>
-              <a:t>2023/10/30</a:t>
+              <a:t>2023/10/31</a:t>
             </a:fld>
             <a:endParaRPr lang="zh-TW" altLang="en-US"/>
           </a:p>
@@ -2199,7 +2200,7 @@
           <a:p>
             <a:fld id="{654AE61A-BA35-4049-814A-A64EFCA36CDD}" type="datetimeFigureOut">
               <a:rPr lang="zh-TW" altLang="en-US" smtClean="0"/>
-              <a:t>2023/10/30</a:t>
+              <a:t>2023/10/31</a:t>
             </a:fld>
             <a:endParaRPr lang="zh-TW" altLang="en-US"/>
           </a:p>
@@ -3400,7 +3401,7 @@
           <a:p>
             <a:fld id="{654AE61A-BA35-4049-814A-A64EFCA36CDD}" type="datetimeFigureOut">
               <a:rPr lang="zh-TW" altLang="en-US" smtClean="0"/>
-              <a:t>2023/10/30</a:t>
+              <a:t>2023/10/31</a:t>
             </a:fld>
             <a:endParaRPr lang="zh-TW" altLang="en-US"/>
           </a:p>
@@ -3790,7 +3791,7 @@
           <a:p>
             <a:fld id="{654AE61A-BA35-4049-814A-A64EFCA36CDD}" type="datetimeFigureOut">
               <a:rPr lang="zh-TW" altLang="en-US" smtClean="0"/>
-              <a:t>2023/10/30</a:t>
+              <a:t>2023/10/31</a:t>
             </a:fld>
             <a:endParaRPr lang="zh-TW" altLang="en-US"/>
           </a:p>
@@ -3913,7 +3914,7 @@
           <a:p>
             <a:fld id="{654AE61A-BA35-4049-814A-A64EFCA36CDD}" type="datetimeFigureOut">
               <a:rPr lang="zh-TW" altLang="en-US" smtClean="0"/>
-              <a:t>2023/10/30</a:t>
+              <a:t>2023/10/31</a:t>
             </a:fld>
             <a:endParaRPr lang="zh-TW" altLang="en-US"/>
           </a:p>
@@ -4008,7 +4009,7 @@
           <a:p>
             <a:fld id="{654AE61A-BA35-4049-814A-A64EFCA36CDD}" type="datetimeFigureOut">
               <a:rPr lang="zh-TW" altLang="en-US" smtClean="0"/>
-              <a:t>2023/10/30</a:t>
+              <a:t>2023/10/31</a:t>
             </a:fld>
             <a:endParaRPr lang="zh-TW" altLang="en-US"/>
           </a:p>
@@ -4771,7 +4772,7 @@
           <a:p>
             <a:fld id="{654AE61A-BA35-4049-814A-A64EFCA36CDD}" type="datetimeFigureOut">
               <a:rPr lang="zh-TW" altLang="en-US" smtClean="0"/>
-              <a:t>2023/10/30</a:t>
+              <a:t>2023/10/31</a:t>
             </a:fld>
             <a:endParaRPr lang="zh-TW" altLang="en-US"/>
           </a:p>
@@ -5611,7 +5612,7 @@
           <a:p>
             <a:fld id="{654AE61A-BA35-4049-814A-A64EFCA36CDD}" type="datetimeFigureOut">
               <a:rPr lang="zh-TW" altLang="en-US" smtClean="0"/>
-              <a:t>2023/10/30</a:t>
+              <a:t>2023/10/31</a:t>
             </a:fld>
             <a:endParaRPr lang="zh-TW" altLang="en-US"/>
           </a:p>
@@ -5838,7 +5839,7 @@
           <a:p>
             <a:fld id="{654AE61A-BA35-4049-814A-A64EFCA36CDD}" type="datetimeFigureOut">
               <a:rPr lang="zh-TW" altLang="en-US" smtClean="0"/>
-              <a:t>2023/10/30</a:t>
+              <a:t>2023/10/31</a:t>
             </a:fld>
             <a:endParaRPr lang="zh-TW" altLang="en-US"/>
           </a:p>
@@ -8935,6 +8936,1523 @@
 </p:sld>
 </file>
 
+<file path=ppt/slides/slide14.xml><?xml version="1.0" encoding="utf-8"?>
+<p:sld xmlns:a="http://schemas.openxmlformats.org/drawingml/2006/main" xmlns:r="http://schemas.openxmlformats.org/officeDocument/2006/relationships" xmlns:p="http://schemas.openxmlformats.org/presentationml/2006/main">
+  <p:cSld>
+    <p:spTree>
+      <p:nvGrpSpPr>
+        <p:cNvPr id="1" name=""/>
+        <p:cNvGrpSpPr/>
+        <p:nvPr/>
+      </p:nvGrpSpPr>
+      <p:grpSpPr>
+        <a:xfrm>
+          <a:off x="0" y="0"/>
+          <a:ext cx="0" cy="0"/>
+          <a:chOff x="0" y="0"/>
+          <a:chExt cx="0" cy="0"/>
+        </a:xfrm>
+      </p:grpSpPr>
+      <p:sp>
+        <p:nvSpPr>
+          <p:cNvPr id="2" name="標題 1">
+            <a:extLst>
+              <a:ext uri="{FF2B5EF4-FFF2-40B4-BE49-F238E27FC236}">
+                <a16:creationId xmlns:a16="http://schemas.microsoft.com/office/drawing/2014/main" id="{70D6283D-B7B9-5BA3-6B51-1752E7AB7AE6}"/>
+              </a:ext>
+            </a:extLst>
+          </p:cNvPr>
+          <p:cNvSpPr>
+            <a:spLocks noGrp="1"/>
+          </p:cNvSpPr>
+          <p:nvPr>
+            <p:ph type="title"/>
+          </p:nvPr>
+        </p:nvSpPr>
+        <p:spPr>
+          <a:xfrm>
+            <a:off x="1251678" y="445138"/>
+            <a:ext cx="10178322" cy="1492132"/>
+          </a:xfrm>
+        </p:spPr>
+        <p:txBody>
+          <a:bodyPr/>
+          <a:lstStyle/>
+          <a:p>
+            <a:r>
+              <a:rPr lang="en-US" altLang="zh-TW" dirty="0"/>
+              <a:t>Call by value (</a:t>
+            </a:r>
+            <a:r>
+              <a:rPr lang="zh-TW" altLang="en-US"/>
+              <a:t>傳址呼叫</a:t>
+            </a:r>
+            <a:r>
+              <a:rPr lang="en-US" altLang="zh-TW" dirty="0"/>
+              <a:t>)</a:t>
+            </a:r>
+            <a:endParaRPr lang="zh-TW" altLang="en-US" dirty="0"/>
+          </a:p>
+        </p:txBody>
+      </p:sp>
+      <p:sp>
+        <p:nvSpPr>
+          <p:cNvPr id="3" name="內容版面配置區 2">
+            <a:extLst>
+              <a:ext uri="{FF2B5EF4-FFF2-40B4-BE49-F238E27FC236}">
+                <a16:creationId xmlns:a16="http://schemas.microsoft.com/office/drawing/2014/main" id="{67A875D7-ADC1-FC6A-F600-3B314BBF8450}"/>
+              </a:ext>
+            </a:extLst>
+          </p:cNvPr>
+          <p:cNvSpPr>
+            <a:spLocks noGrp="1"/>
+          </p:cNvSpPr>
+          <p:nvPr>
+            <p:ph idx="1"/>
+          </p:nvPr>
+        </p:nvSpPr>
+        <p:spPr>
+          <a:xfrm>
+            <a:off x="1251678" y="1452646"/>
+            <a:ext cx="10178322" cy="4831613"/>
+          </a:xfrm>
+        </p:spPr>
+        <p:txBody>
+          <a:bodyPr/>
+          <a:lstStyle/>
+          <a:p>
+            <a:r>
+              <a:rPr lang="zh-TW" altLang="en-US" dirty="0"/>
+              <a:t>參考資料：</a:t>
+            </a:r>
+            <a:r>
+              <a:rPr lang="en-US" altLang="zh-TW" dirty="0">
+                <a:hlinkClick r:id="rId2"/>
+              </a:rPr>
+              <a:t>https://openhome.cc/Gossip/Java/PassByValue.html</a:t>
+            </a:r>
+            <a:r>
+              <a:rPr lang="en-US" altLang="zh-TW" dirty="0"/>
+              <a:t> </a:t>
+            </a:r>
+          </a:p>
+          <a:p>
+            <a:r>
+              <a:rPr lang="en-US" altLang="zh-TW" dirty="0"/>
+              <a:t>Java </a:t>
+            </a:r>
+            <a:r>
+              <a:rPr lang="zh-TW" altLang="en-US" dirty="0"/>
+              <a:t>方法中的參數，無論基本型別與參考型別，都是「傳值呼叫」。</a:t>
+            </a:r>
+          </a:p>
+        </p:txBody>
+      </p:sp>
+      <p:pic>
+        <p:nvPicPr>
+          <p:cNvPr id="8" name="圖片 7">
+            <a:extLst>
+              <a:ext uri="{FF2B5EF4-FFF2-40B4-BE49-F238E27FC236}">
+                <a16:creationId xmlns:a16="http://schemas.microsoft.com/office/drawing/2014/main" id="{5CE6A485-ED18-9FF1-FFED-7318ECDEE3C8}"/>
+              </a:ext>
+            </a:extLst>
+          </p:cNvPr>
+          <p:cNvPicPr>
+            <a:picLocks noChangeAspect="1"/>
+          </p:cNvPicPr>
+          <p:nvPr/>
+        </p:nvPicPr>
+        <p:blipFill>
+          <a:blip r:embed="rId3"/>
+          <a:stretch>
+            <a:fillRect/>
+          </a:stretch>
+        </p:blipFill>
+        <p:spPr>
+          <a:xfrm>
+            <a:off x="1251678" y="2452783"/>
+            <a:ext cx="4419983" cy="4229467"/>
+          </a:xfrm>
+          <a:prstGeom prst="rect">
+            <a:avLst/>
+          </a:prstGeom>
+        </p:spPr>
+      </p:pic>
+      <p:sp>
+        <p:nvSpPr>
+          <p:cNvPr id="10" name="橢圓 9">
+            <a:extLst>
+              <a:ext uri="{FF2B5EF4-FFF2-40B4-BE49-F238E27FC236}">
+                <a16:creationId xmlns:a16="http://schemas.microsoft.com/office/drawing/2014/main" id="{B0DE9945-CE8F-FAC9-2E0B-088CD6A0D83E}"/>
+              </a:ext>
+            </a:extLst>
+          </p:cNvPr>
+          <p:cNvSpPr/>
+          <p:nvPr/>
+        </p:nvSpPr>
+        <p:spPr>
+          <a:xfrm>
+            <a:off x="6748783" y="3144461"/>
+            <a:ext cx="877873" cy="852443"/>
+          </a:xfrm>
+          <a:prstGeom prst="ellipse">
+            <a:avLst/>
+          </a:prstGeom>
+          <a:solidFill>
+            <a:schemeClr val="accent4">
+              <a:lumMod val="40000"/>
+              <a:lumOff val="60000"/>
+            </a:schemeClr>
+          </a:solidFill>
+          <a:ln>
+            <a:solidFill>
+              <a:schemeClr val="accent4">
+                <a:lumMod val="60000"/>
+                <a:lumOff val="40000"/>
+              </a:schemeClr>
+            </a:solidFill>
+          </a:ln>
+        </p:spPr>
+        <p:style>
+          <a:lnRef idx="2">
+            <a:schemeClr val="accent1">
+              <a:shade val="15000"/>
+            </a:schemeClr>
+          </a:lnRef>
+          <a:fillRef idx="1">
+            <a:schemeClr val="accent1"/>
+          </a:fillRef>
+          <a:effectRef idx="0">
+            <a:schemeClr val="accent1"/>
+          </a:effectRef>
+          <a:fontRef idx="minor">
+            <a:schemeClr val="lt1"/>
+          </a:fontRef>
+        </p:style>
+        <p:txBody>
+          <a:bodyPr rtlCol="0" anchor="ctr"/>
+          <a:lstStyle/>
+          <a:p>
+            <a:pPr algn="ctr"/>
+            <a:endParaRPr lang="zh-TW" altLang="en-US"/>
+          </a:p>
+        </p:txBody>
+      </p:sp>
+      <p:sp>
+        <p:nvSpPr>
+          <p:cNvPr id="12" name="橢圓 11">
+            <a:extLst>
+              <a:ext uri="{FF2B5EF4-FFF2-40B4-BE49-F238E27FC236}">
+                <a16:creationId xmlns:a16="http://schemas.microsoft.com/office/drawing/2014/main" id="{A1379800-9872-3358-2C09-637BC43EB27D}"/>
+              </a:ext>
+            </a:extLst>
+          </p:cNvPr>
+          <p:cNvSpPr/>
+          <p:nvPr/>
+        </p:nvSpPr>
+        <p:spPr>
+          <a:xfrm>
+            <a:off x="8301318" y="2421407"/>
+            <a:ext cx="1694328" cy="1645247"/>
+          </a:xfrm>
+          <a:prstGeom prst="ellipse">
+            <a:avLst/>
+          </a:prstGeom>
+          <a:solidFill>
+            <a:schemeClr val="accent4">
+              <a:lumMod val="40000"/>
+              <a:lumOff val="60000"/>
+            </a:schemeClr>
+          </a:solidFill>
+          <a:ln>
+            <a:solidFill>
+              <a:schemeClr val="accent4">
+                <a:lumMod val="60000"/>
+                <a:lumOff val="40000"/>
+              </a:schemeClr>
+            </a:solidFill>
+          </a:ln>
+        </p:spPr>
+        <p:style>
+          <a:lnRef idx="2">
+            <a:schemeClr val="accent1">
+              <a:shade val="15000"/>
+            </a:schemeClr>
+          </a:lnRef>
+          <a:fillRef idx="1">
+            <a:schemeClr val="accent1"/>
+          </a:fillRef>
+          <a:effectRef idx="0">
+            <a:schemeClr val="accent1"/>
+          </a:effectRef>
+          <a:fontRef idx="minor">
+            <a:schemeClr val="lt1"/>
+          </a:fontRef>
+        </p:style>
+        <p:txBody>
+          <a:bodyPr rtlCol="0" anchor="ctr"/>
+          <a:lstStyle/>
+          <a:p>
+            <a:pPr algn="ctr"/>
+            <a:endParaRPr lang="zh-TW" altLang="en-US"/>
+          </a:p>
+        </p:txBody>
+      </p:sp>
+      <p:sp>
+        <p:nvSpPr>
+          <p:cNvPr id="13" name="文字方塊 12">
+            <a:extLst>
+              <a:ext uri="{FF2B5EF4-FFF2-40B4-BE49-F238E27FC236}">
+                <a16:creationId xmlns:a16="http://schemas.microsoft.com/office/drawing/2014/main" id="{903ED972-DBAB-8313-493F-D8BFEA9DB0B9}"/>
+              </a:ext>
+            </a:extLst>
+          </p:cNvPr>
+          <p:cNvSpPr txBox="1"/>
+          <p:nvPr/>
+        </p:nvSpPr>
+        <p:spPr>
+          <a:xfrm>
+            <a:off x="6777098" y="4012690"/>
+            <a:ext cx="821241" cy="369332"/>
+          </a:xfrm>
+          <a:prstGeom prst="rect">
+            <a:avLst/>
+          </a:prstGeom>
+          <a:noFill/>
+        </p:spPr>
+        <p:txBody>
+          <a:bodyPr wrap="square" rtlCol="0">
+            <a:spAutoFit/>
+          </a:bodyPr>
+          <a:lstStyle/>
+          <a:p>
+            <a:pPr algn="ctr"/>
+            <a:r>
+              <a:rPr lang="en-US" altLang="zh-TW" dirty="0"/>
+              <a:t>stack</a:t>
+            </a:r>
+            <a:endParaRPr lang="zh-TW" altLang="en-US" dirty="0"/>
+          </a:p>
+        </p:txBody>
+      </p:sp>
+      <p:sp>
+        <p:nvSpPr>
+          <p:cNvPr id="14" name="文字方塊 13">
+            <a:extLst>
+              <a:ext uri="{FF2B5EF4-FFF2-40B4-BE49-F238E27FC236}">
+                <a16:creationId xmlns:a16="http://schemas.microsoft.com/office/drawing/2014/main" id="{6CA68615-48C8-1B52-9990-922206AEC353}"/>
+              </a:ext>
+            </a:extLst>
+          </p:cNvPr>
+          <p:cNvSpPr txBox="1"/>
+          <p:nvPr/>
+        </p:nvSpPr>
+        <p:spPr>
+          <a:xfrm>
+            <a:off x="8818544" y="4066654"/>
+            <a:ext cx="821241" cy="369332"/>
+          </a:xfrm>
+          <a:prstGeom prst="rect">
+            <a:avLst/>
+          </a:prstGeom>
+          <a:noFill/>
+        </p:spPr>
+        <p:txBody>
+          <a:bodyPr wrap="square" rtlCol="0">
+            <a:spAutoFit/>
+          </a:bodyPr>
+          <a:lstStyle/>
+          <a:p>
+            <a:pPr algn="ctr"/>
+            <a:r>
+              <a:rPr lang="en-US" altLang="zh-TW" dirty="0"/>
+              <a:t>heap</a:t>
+            </a:r>
+            <a:endParaRPr lang="zh-TW" altLang="en-US" dirty="0"/>
+          </a:p>
+        </p:txBody>
+      </p:sp>
+      <p:sp>
+        <p:nvSpPr>
+          <p:cNvPr id="15" name="矩形 14">
+            <a:extLst>
+              <a:ext uri="{FF2B5EF4-FFF2-40B4-BE49-F238E27FC236}">
+                <a16:creationId xmlns:a16="http://schemas.microsoft.com/office/drawing/2014/main" id="{4FE2B05D-CC4E-D432-102D-71522EC12697}"/>
+              </a:ext>
+            </a:extLst>
+          </p:cNvPr>
+          <p:cNvSpPr/>
+          <p:nvPr/>
+        </p:nvSpPr>
+        <p:spPr>
+          <a:xfrm>
+            <a:off x="6912990" y="3657189"/>
+            <a:ext cx="594398" cy="231739"/>
+          </a:xfrm>
+          <a:prstGeom prst="rect">
+            <a:avLst/>
+          </a:prstGeom>
+          <a:ln>
+            <a:noFill/>
+          </a:ln>
+        </p:spPr>
+        <p:style>
+          <a:lnRef idx="2">
+            <a:schemeClr val="accent1">
+              <a:shade val="15000"/>
+            </a:schemeClr>
+          </a:lnRef>
+          <a:fillRef idx="1">
+            <a:schemeClr val="accent1"/>
+          </a:fillRef>
+          <a:effectRef idx="0">
+            <a:schemeClr val="accent1"/>
+          </a:effectRef>
+          <a:fontRef idx="minor">
+            <a:schemeClr val="lt1"/>
+          </a:fontRef>
+        </p:style>
+        <p:txBody>
+          <a:bodyPr rtlCol="0" anchor="t"/>
+          <a:lstStyle/>
+          <a:p>
+            <a:pPr algn="ctr"/>
+            <a:r>
+              <a:rPr lang="en-US" altLang="zh-TW" sz="1000" dirty="0">
+                <a:solidFill>
+                  <a:schemeClr val="tx1"/>
+                </a:solidFill>
+              </a:rPr>
+              <a:t>people</a:t>
+            </a:r>
+            <a:endParaRPr lang="zh-TW" altLang="en-US" sz="1000" dirty="0">
+              <a:solidFill>
+                <a:schemeClr val="tx1"/>
+              </a:solidFill>
+            </a:endParaRPr>
+          </a:p>
+        </p:txBody>
+      </p:sp>
+      <p:sp>
+        <p:nvSpPr>
+          <p:cNvPr id="16" name="矩形 15">
+            <a:extLst>
+              <a:ext uri="{FF2B5EF4-FFF2-40B4-BE49-F238E27FC236}">
+                <a16:creationId xmlns:a16="http://schemas.microsoft.com/office/drawing/2014/main" id="{7AEF4C51-E967-369C-A2BA-23CD5E2E86E3}"/>
+              </a:ext>
+            </a:extLst>
+          </p:cNvPr>
+          <p:cNvSpPr/>
+          <p:nvPr/>
+        </p:nvSpPr>
+        <p:spPr>
+          <a:xfrm>
+            <a:off x="8818544" y="3626407"/>
+            <a:ext cx="821241" cy="237381"/>
+          </a:xfrm>
+          <a:prstGeom prst="rect">
+            <a:avLst/>
+          </a:prstGeom>
+          <a:ln>
+            <a:noFill/>
+          </a:ln>
+        </p:spPr>
+        <p:style>
+          <a:lnRef idx="2">
+            <a:schemeClr val="accent1">
+              <a:shade val="15000"/>
+            </a:schemeClr>
+          </a:lnRef>
+          <a:fillRef idx="1">
+            <a:schemeClr val="accent1"/>
+          </a:fillRef>
+          <a:effectRef idx="0">
+            <a:schemeClr val="accent1"/>
+          </a:effectRef>
+          <a:fontRef idx="minor">
+            <a:schemeClr val="lt1"/>
+          </a:fontRef>
+        </p:style>
+        <p:txBody>
+          <a:bodyPr rtlCol="0" anchor="t"/>
+          <a:lstStyle/>
+          <a:p>
+            <a:pPr algn="ctr"/>
+            <a:r>
+              <a:rPr lang="en-US" altLang="zh-TW" sz="1000" dirty="0">
+                <a:solidFill>
+                  <a:schemeClr val="tx1"/>
+                </a:solidFill>
+              </a:rPr>
+              <a:t>Jack</a:t>
+            </a:r>
+            <a:endParaRPr lang="zh-TW" altLang="en-US" sz="1000" dirty="0">
+              <a:solidFill>
+                <a:schemeClr val="tx1"/>
+              </a:solidFill>
+            </a:endParaRPr>
+          </a:p>
+        </p:txBody>
+      </p:sp>
+      <p:sp>
+        <p:nvSpPr>
+          <p:cNvPr id="17" name="文字方塊 16">
+            <a:extLst>
+              <a:ext uri="{FF2B5EF4-FFF2-40B4-BE49-F238E27FC236}">
+                <a16:creationId xmlns:a16="http://schemas.microsoft.com/office/drawing/2014/main" id="{5FD361CF-C4BC-8228-2B5B-8B99766D78FA}"/>
+              </a:ext>
+            </a:extLst>
+          </p:cNvPr>
+          <p:cNvSpPr txBox="1"/>
+          <p:nvPr/>
+        </p:nvSpPr>
+        <p:spPr>
+          <a:xfrm>
+            <a:off x="5929915" y="2417497"/>
+            <a:ext cx="1180852" cy="369332"/>
+          </a:xfrm>
+          <a:prstGeom prst="rect">
+            <a:avLst/>
+          </a:prstGeom>
+          <a:noFill/>
+        </p:spPr>
+        <p:txBody>
+          <a:bodyPr wrap="square" rtlCol="0">
+            <a:spAutoFit/>
+          </a:bodyPr>
+          <a:lstStyle/>
+          <a:p>
+            <a:pPr algn="ctr"/>
+            <a:r>
+              <a:rPr lang="en-US" altLang="zh-TW" b="1" i="1" dirty="0" err="1"/>
+              <a:t>renameI</a:t>
+            </a:r>
+            <a:endParaRPr lang="zh-TW" altLang="en-US" b="1" i="1" dirty="0"/>
+          </a:p>
+        </p:txBody>
+      </p:sp>
+      <p:sp>
+        <p:nvSpPr>
+          <p:cNvPr id="18" name="矩形 17">
+            <a:extLst>
+              <a:ext uri="{FF2B5EF4-FFF2-40B4-BE49-F238E27FC236}">
+                <a16:creationId xmlns:a16="http://schemas.microsoft.com/office/drawing/2014/main" id="{AD9000FC-3D47-48F8-A986-7BE84683E131}"/>
+              </a:ext>
+            </a:extLst>
+          </p:cNvPr>
+          <p:cNvSpPr/>
+          <p:nvPr/>
+        </p:nvSpPr>
+        <p:spPr>
+          <a:xfrm>
+            <a:off x="6921955" y="3344018"/>
+            <a:ext cx="594398" cy="231739"/>
+          </a:xfrm>
+          <a:prstGeom prst="rect">
+            <a:avLst/>
+          </a:prstGeom>
+          <a:ln>
+            <a:noFill/>
+          </a:ln>
+        </p:spPr>
+        <p:style>
+          <a:lnRef idx="2">
+            <a:schemeClr val="accent1">
+              <a:shade val="15000"/>
+            </a:schemeClr>
+          </a:lnRef>
+          <a:fillRef idx="1">
+            <a:schemeClr val="accent1"/>
+          </a:fillRef>
+          <a:effectRef idx="0">
+            <a:schemeClr val="accent1"/>
+          </a:effectRef>
+          <a:fontRef idx="minor">
+            <a:schemeClr val="lt1"/>
+          </a:fontRef>
+        </p:style>
+        <p:txBody>
+          <a:bodyPr rtlCol="0" anchor="t"/>
+          <a:lstStyle/>
+          <a:p>
+            <a:pPr algn="ctr"/>
+            <a:r>
+              <a:rPr lang="en-US" altLang="zh-TW" sz="1000" dirty="0">
+                <a:solidFill>
+                  <a:schemeClr val="tx1"/>
+                </a:solidFill>
+              </a:rPr>
+              <a:t>people</a:t>
+            </a:r>
+            <a:endParaRPr lang="zh-TW" altLang="en-US" sz="1000" dirty="0">
+              <a:solidFill>
+                <a:schemeClr val="tx1"/>
+              </a:solidFill>
+            </a:endParaRPr>
+          </a:p>
+        </p:txBody>
+      </p:sp>
+      <p:cxnSp>
+        <p:nvCxnSpPr>
+          <p:cNvPr id="20" name="接點: 弧形 19">
+            <a:extLst>
+              <a:ext uri="{FF2B5EF4-FFF2-40B4-BE49-F238E27FC236}">
+                <a16:creationId xmlns:a16="http://schemas.microsoft.com/office/drawing/2014/main" id="{5B8858C1-8F76-40E5-2D1E-C85119253EA9}"/>
+              </a:ext>
+            </a:extLst>
+          </p:cNvPr>
+          <p:cNvCxnSpPr>
+            <a:cxnSpLocks/>
+            <a:stCxn id="15" idx="1"/>
+            <a:endCxn id="18" idx="1"/>
+          </p:cNvCxnSpPr>
+          <p:nvPr/>
+        </p:nvCxnSpPr>
+        <p:spPr>
+          <a:xfrm rot="10800000" flipH="1">
+            <a:off x="6912989" y="3459889"/>
+            <a:ext cx="8965" cy="313171"/>
+          </a:xfrm>
+          <a:prstGeom prst="curvedConnector3">
+            <a:avLst>
+              <a:gd name="adj1" fmla="val -2349916"/>
+            </a:avLst>
+          </a:prstGeom>
+          <a:ln w="28575">
+            <a:tailEnd type="triangle"/>
+          </a:ln>
+        </p:spPr>
+        <p:style>
+          <a:lnRef idx="1">
+            <a:schemeClr val="accent1"/>
+          </a:lnRef>
+          <a:fillRef idx="0">
+            <a:schemeClr val="accent1"/>
+          </a:fillRef>
+          <a:effectRef idx="0">
+            <a:schemeClr val="accent1"/>
+          </a:effectRef>
+          <a:fontRef idx="minor">
+            <a:schemeClr val="tx1"/>
+          </a:fontRef>
+        </p:style>
+      </p:cxnSp>
+      <p:sp>
+        <p:nvSpPr>
+          <p:cNvPr id="28" name="文字方塊 27">
+            <a:extLst>
+              <a:ext uri="{FF2B5EF4-FFF2-40B4-BE49-F238E27FC236}">
+                <a16:creationId xmlns:a16="http://schemas.microsoft.com/office/drawing/2014/main" id="{819D25AC-1EB0-5585-42B9-228B013C205A}"/>
+              </a:ext>
+            </a:extLst>
+          </p:cNvPr>
+          <p:cNvSpPr txBox="1"/>
+          <p:nvPr/>
+        </p:nvSpPr>
+        <p:spPr>
+          <a:xfrm>
+            <a:off x="6044081" y="3491753"/>
+            <a:ext cx="651632" cy="276999"/>
+          </a:xfrm>
+          <a:prstGeom prst="rect">
+            <a:avLst/>
+          </a:prstGeom>
+          <a:noFill/>
+        </p:spPr>
+        <p:txBody>
+          <a:bodyPr wrap="square" rtlCol="0">
+            <a:spAutoFit/>
+          </a:bodyPr>
+          <a:lstStyle/>
+          <a:p>
+            <a:pPr algn="ctr"/>
+            <a:r>
+              <a:rPr lang="zh-TW" altLang="en-US" sz="1200" dirty="0"/>
+              <a:t>複製</a:t>
+            </a:r>
+            <a:endParaRPr lang="en-US" altLang="zh-TW" sz="1200" dirty="0"/>
+          </a:p>
+        </p:txBody>
+      </p:sp>
+      <p:cxnSp>
+        <p:nvCxnSpPr>
+          <p:cNvPr id="30" name="接點: 弧形 29">
+            <a:extLst>
+              <a:ext uri="{FF2B5EF4-FFF2-40B4-BE49-F238E27FC236}">
+                <a16:creationId xmlns:a16="http://schemas.microsoft.com/office/drawing/2014/main" id="{62A9238D-898C-96EE-8E62-55C998FD0C2E}"/>
+              </a:ext>
+            </a:extLst>
+          </p:cNvPr>
+          <p:cNvCxnSpPr>
+            <a:stCxn id="15" idx="3"/>
+            <a:endCxn id="16" idx="1"/>
+          </p:cNvCxnSpPr>
+          <p:nvPr/>
+        </p:nvCxnSpPr>
+        <p:spPr>
+          <a:xfrm flipV="1">
+            <a:off x="7507388" y="3745098"/>
+            <a:ext cx="1311156" cy="27961"/>
+          </a:xfrm>
+          <a:prstGeom prst="curvedConnector3">
+            <a:avLst>
+              <a:gd name="adj1" fmla="val 53419"/>
+            </a:avLst>
+          </a:prstGeom>
+          <a:ln w="19050">
+            <a:tailEnd type="triangle"/>
+          </a:ln>
+        </p:spPr>
+        <p:style>
+          <a:lnRef idx="1">
+            <a:schemeClr val="accent1"/>
+          </a:lnRef>
+          <a:fillRef idx="0">
+            <a:schemeClr val="accent1"/>
+          </a:fillRef>
+          <a:effectRef idx="0">
+            <a:schemeClr val="accent1"/>
+          </a:effectRef>
+          <a:fontRef idx="minor">
+            <a:schemeClr val="tx1"/>
+          </a:fontRef>
+        </p:style>
+      </p:cxnSp>
+      <p:cxnSp>
+        <p:nvCxnSpPr>
+          <p:cNvPr id="33" name="接點: 弧形 32">
+            <a:extLst>
+              <a:ext uri="{FF2B5EF4-FFF2-40B4-BE49-F238E27FC236}">
+                <a16:creationId xmlns:a16="http://schemas.microsoft.com/office/drawing/2014/main" id="{72D85A0E-7D15-D826-138F-B04A2553DA17}"/>
+              </a:ext>
+            </a:extLst>
+          </p:cNvPr>
+          <p:cNvCxnSpPr>
+            <a:cxnSpLocks/>
+            <a:endCxn id="16" idx="1"/>
+          </p:cNvCxnSpPr>
+          <p:nvPr/>
+        </p:nvCxnSpPr>
+        <p:spPr>
+          <a:xfrm>
+            <a:off x="7516353" y="3510538"/>
+            <a:ext cx="1302191" cy="234560"/>
+          </a:xfrm>
+          <a:prstGeom prst="curvedConnector3">
+            <a:avLst>
+              <a:gd name="adj1" fmla="val 50000"/>
+            </a:avLst>
+          </a:prstGeom>
+          <a:ln w="19050">
+            <a:tailEnd type="triangle"/>
+          </a:ln>
+        </p:spPr>
+        <p:style>
+          <a:lnRef idx="1">
+            <a:schemeClr val="accent1"/>
+          </a:lnRef>
+          <a:fillRef idx="0">
+            <a:schemeClr val="accent1"/>
+          </a:fillRef>
+          <a:effectRef idx="0">
+            <a:schemeClr val="accent1"/>
+          </a:effectRef>
+          <a:fontRef idx="minor">
+            <a:schemeClr val="tx1"/>
+          </a:fontRef>
+        </p:style>
+      </p:cxnSp>
+      <p:sp>
+        <p:nvSpPr>
+          <p:cNvPr id="36" name="矩形 35">
+            <a:extLst>
+              <a:ext uri="{FF2B5EF4-FFF2-40B4-BE49-F238E27FC236}">
+                <a16:creationId xmlns:a16="http://schemas.microsoft.com/office/drawing/2014/main" id="{F6F9B8E9-4D90-A55F-60B1-5427964E81B3}"/>
+              </a:ext>
+            </a:extLst>
+          </p:cNvPr>
+          <p:cNvSpPr/>
+          <p:nvPr/>
+        </p:nvSpPr>
+        <p:spPr>
+          <a:xfrm>
+            <a:off x="8818544" y="3064591"/>
+            <a:ext cx="821241" cy="237381"/>
+          </a:xfrm>
+          <a:prstGeom prst="rect">
+            <a:avLst/>
+          </a:prstGeom>
+          <a:ln w="28575">
+            <a:solidFill>
+              <a:srgbClr val="FF0000"/>
+            </a:solidFill>
+          </a:ln>
+        </p:spPr>
+        <p:style>
+          <a:lnRef idx="2">
+            <a:schemeClr val="accent1">
+              <a:shade val="15000"/>
+            </a:schemeClr>
+          </a:lnRef>
+          <a:fillRef idx="1">
+            <a:schemeClr val="accent1"/>
+          </a:fillRef>
+          <a:effectRef idx="0">
+            <a:schemeClr val="accent1"/>
+          </a:effectRef>
+          <a:fontRef idx="minor">
+            <a:schemeClr val="lt1"/>
+          </a:fontRef>
+        </p:style>
+        <p:txBody>
+          <a:bodyPr rtlCol="0" anchor="t"/>
+          <a:lstStyle/>
+          <a:p>
+            <a:pPr algn="ctr"/>
+            <a:r>
+              <a:rPr lang="en-US" altLang="zh-TW" sz="1000" dirty="0">
+                <a:solidFill>
+                  <a:schemeClr val="tx1"/>
+                </a:solidFill>
+              </a:rPr>
+              <a:t>Jackson</a:t>
+            </a:r>
+            <a:endParaRPr lang="zh-TW" altLang="en-US" sz="1000" dirty="0">
+              <a:solidFill>
+                <a:schemeClr val="tx1"/>
+              </a:solidFill>
+            </a:endParaRPr>
+          </a:p>
+        </p:txBody>
+      </p:sp>
+      <p:cxnSp>
+        <p:nvCxnSpPr>
+          <p:cNvPr id="37" name="接點: 弧形 36">
+            <a:extLst>
+              <a:ext uri="{FF2B5EF4-FFF2-40B4-BE49-F238E27FC236}">
+                <a16:creationId xmlns:a16="http://schemas.microsoft.com/office/drawing/2014/main" id="{3F1F735D-F994-76CF-BB69-BC4461419AEE}"/>
+              </a:ext>
+            </a:extLst>
+          </p:cNvPr>
+          <p:cNvCxnSpPr>
+            <a:cxnSpLocks/>
+            <a:stCxn id="18" idx="3"/>
+            <a:endCxn id="36" idx="1"/>
+          </p:cNvCxnSpPr>
+          <p:nvPr/>
+        </p:nvCxnSpPr>
+        <p:spPr>
+          <a:xfrm flipV="1">
+            <a:off x="7516353" y="3183282"/>
+            <a:ext cx="1302191" cy="276606"/>
+          </a:xfrm>
+          <a:prstGeom prst="curvedConnector3">
+            <a:avLst>
+              <a:gd name="adj1" fmla="val 50000"/>
+            </a:avLst>
+          </a:prstGeom>
+          <a:ln w="19050">
+            <a:tailEnd type="triangle"/>
+          </a:ln>
+        </p:spPr>
+        <p:style>
+          <a:lnRef idx="1">
+            <a:schemeClr val="accent1"/>
+          </a:lnRef>
+          <a:fillRef idx="0">
+            <a:schemeClr val="accent1"/>
+          </a:fillRef>
+          <a:effectRef idx="0">
+            <a:schemeClr val="accent1"/>
+          </a:effectRef>
+          <a:fontRef idx="minor">
+            <a:schemeClr val="tx1"/>
+          </a:fontRef>
+        </p:style>
+      </p:cxnSp>
+      <p:sp>
+        <p:nvSpPr>
+          <p:cNvPr id="42" name="乘號 41">
+            <a:extLst>
+              <a:ext uri="{FF2B5EF4-FFF2-40B4-BE49-F238E27FC236}">
+                <a16:creationId xmlns:a16="http://schemas.microsoft.com/office/drawing/2014/main" id="{EED3FAA2-E68D-5F16-F6FA-C43A04DE5FC2}"/>
+              </a:ext>
+            </a:extLst>
+          </p:cNvPr>
+          <p:cNvSpPr/>
+          <p:nvPr/>
+        </p:nvSpPr>
+        <p:spPr>
+          <a:xfrm>
+            <a:off x="7965891" y="3483802"/>
+            <a:ext cx="177991" cy="183910"/>
+          </a:xfrm>
+          <a:prstGeom prst="mathMultiply">
+            <a:avLst/>
+          </a:prstGeom>
+          <a:solidFill>
+            <a:srgbClr val="FF0000"/>
+          </a:solidFill>
+        </p:spPr>
+        <p:style>
+          <a:lnRef idx="2">
+            <a:schemeClr val="accent1">
+              <a:shade val="15000"/>
+            </a:schemeClr>
+          </a:lnRef>
+          <a:fillRef idx="1">
+            <a:schemeClr val="accent1"/>
+          </a:fillRef>
+          <a:effectRef idx="0">
+            <a:schemeClr val="accent1"/>
+          </a:effectRef>
+          <a:fontRef idx="minor">
+            <a:schemeClr val="lt1"/>
+          </a:fontRef>
+        </p:style>
+        <p:txBody>
+          <a:bodyPr rtlCol="0" anchor="ctr"/>
+          <a:lstStyle/>
+          <a:p>
+            <a:pPr algn="ctr"/>
+            <a:endParaRPr lang="zh-TW" altLang="en-US"/>
+          </a:p>
+        </p:txBody>
+      </p:sp>
+      <p:sp>
+        <p:nvSpPr>
+          <p:cNvPr id="43" name="文字方塊 42">
+            <a:extLst>
+              <a:ext uri="{FF2B5EF4-FFF2-40B4-BE49-F238E27FC236}">
+                <a16:creationId xmlns:a16="http://schemas.microsoft.com/office/drawing/2014/main" id="{EA9DDACE-4437-FF3D-4FD6-372ADB0EF84B}"/>
+              </a:ext>
+            </a:extLst>
+          </p:cNvPr>
+          <p:cNvSpPr txBox="1"/>
+          <p:nvPr/>
+        </p:nvSpPr>
+        <p:spPr>
+          <a:xfrm>
+            <a:off x="7537791" y="3755621"/>
+            <a:ext cx="550580" cy="261610"/>
+          </a:xfrm>
+          <a:prstGeom prst="rect">
+            <a:avLst/>
+          </a:prstGeom>
+          <a:noFill/>
+        </p:spPr>
+        <p:txBody>
+          <a:bodyPr wrap="square" rtlCol="0">
+            <a:spAutoFit/>
+          </a:bodyPr>
+          <a:lstStyle/>
+          <a:p>
+            <a:pPr algn="ctr"/>
+            <a:r>
+              <a:rPr lang="en-US" altLang="zh-TW" sz="1100" dirty="0"/>
+              <a:t>(1)</a:t>
+            </a:r>
+            <a:endParaRPr lang="zh-TW" altLang="en-US" sz="1100" dirty="0"/>
+          </a:p>
+        </p:txBody>
+      </p:sp>
+      <p:sp>
+        <p:nvSpPr>
+          <p:cNvPr id="44" name="文字方塊 43">
+            <a:extLst>
+              <a:ext uri="{FF2B5EF4-FFF2-40B4-BE49-F238E27FC236}">
+                <a16:creationId xmlns:a16="http://schemas.microsoft.com/office/drawing/2014/main" id="{DADF5BF0-8EA2-C8D6-74EB-570C49D5540C}"/>
+              </a:ext>
+            </a:extLst>
+          </p:cNvPr>
+          <p:cNvSpPr txBox="1"/>
+          <p:nvPr/>
+        </p:nvSpPr>
+        <p:spPr>
+          <a:xfrm>
+            <a:off x="8035497" y="3451169"/>
+            <a:ext cx="550580" cy="261610"/>
+          </a:xfrm>
+          <a:prstGeom prst="rect">
+            <a:avLst/>
+          </a:prstGeom>
+          <a:noFill/>
+        </p:spPr>
+        <p:txBody>
+          <a:bodyPr wrap="square" rtlCol="0">
+            <a:spAutoFit/>
+          </a:bodyPr>
+          <a:lstStyle/>
+          <a:p>
+            <a:pPr algn="ctr"/>
+            <a:r>
+              <a:rPr lang="en-US" altLang="zh-TW" sz="1100" dirty="0"/>
+              <a:t>(2)</a:t>
+            </a:r>
+            <a:endParaRPr lang="zh-TW" altLang="en-US" sz="1100" dirty="0"/>
+          </a:p>
+        </p:txBody>
+      </p:sp>
+      <p:sp>
+        <p:nvSpPr>
+          <p:cNvPr id="45" name="文字方塊 44">
+            <a:extLst>
+              <a:ext uri="{FF2B5EF4-FFF2-40B4-BE49-F238E27FC236}">
+                <a16:creationId xmlns:a16="http://schemas.microsoft.com/office/drawing/2014/main" id="{74DD51AE-501D-70A9-FB97-EF72433E0FEE}"/>
+              </a:ext>
+            </a:extLst>
+          </p:cNvPr>
+          <p:cNvSpPr txBox="1"/>
+          <p:nvPr/>
+        </p:nvSpPr>
+        <p:spPr>
+          <a:xfrm>
+            <a:off x="7686278" y="3092553"/>
+            <a:ext cx="550580" cy="261610"/>
+          </a:xfrm>
+          <a:prstGeom prst="rect">
+            <a:avLst/>
+          </a:prstGeom>
+          <a:noFill/>
+        </p:spPr>
+        <p:txBody>
+          <a:bodyPr wrap="square" rtlCol="0">
+            <a:spAutoFit/>
+          </a:bodyPr>
+          <a:lstStyle/>
+          <a:p>
+            <a:pPr algn="ctr"/>
+            <a:r>
+              <a:rPr lang="en-US" altLang="zh-TW" sz="1100" dirty="0"/>
+              <a:t>(3)</a:t>
+            </a:r>
+            <a:endParaRPr lang="zh-TW" altLang="en-US" sz="1100" dirty="0"/>
+          </a:p>
+        </p:txBody>
+      </p:sp>
+      <p:sp>
+        <p:nvSpPr>
+          <p:cNvPr id="46" name="文字方塊 45">
+            <a:extLst>
+              <a:ext uri="{FF2B5EF4-FFF2-40B4-BE49-F238E27FC236}">
+                <a16:creationId xmlns:a16="http://schemas.microsoft.com/office/drawing/2014/main" id="{157768A9-DA31-9BBC-0F37-15844CD01208}"/>
+              </a:ext>
+            </a:extLst>
+          </p:cNvPr>
+          <p:cNvSpPr txBox="1"/>
+          <p:nvPr/>
+        </p:nvSpPr>
+        <p:spPr>
+          <a:xfrm>
+            <a:off x="6245051" y="4626797"/>
+            <a:ext cx="550580" cy="261610"/>
+          </a:xfrm>
+          <a:prstGeom prst="rect">
+            <a:avLst/>
+          </a:prstGeom>
+          <a:noFill/>
+        </p:spPr>
+        <p:txBody>
+          <a:bodyPr wrap="square" rtlCol="0">
+            <a:spAutoFit/>
+          </a:bodyPr>
+          <a:lstStyle/>
+          <a:p>
+            <a:pPr algn="ctr"/>
+            <a:r>
+              <a:rPr lang="en-US" altLang="zh-TW" sz="1100" dirty="0"/>
+              <a:t>(1)</a:t>
+            </a:r>
+            <a:endParaRPr lang="zh-TW" altLang="en-US" sz="1100" dirty="0"/>
+          </a:p>
+        </p:txBody>
+      </p:sp>
+      <p:sp>
+        <p:nvSpPr>
+          <p:cNvPr id="54" name="文字方塊 53">
+            <a:extLst>
+              <a:ext uri="{FF2B5EF4-FFF2-40B4-BE49-F238E27FC236}">
+                <a16:creationId xmlns:a16="http://schemas.microsoft.com/office/drawing/2014/main" id="{230964BE-5DBB-7F6E-7603-062361915095}"/>
+              </a:ext>
+            </a:extLst>
+          </p:cNvPr>
+          <p:cNvSpPr txBox="1"/>
+          <p:nvPr/>
+        </p:nvSpPr>
+        <p:spPr>
+          <a:xfrm>
+            <a:off x="6695713" y="4579382"/>
+            <a:ext cx="4563958" cy="369332"/>
+          </a:xfrm>
+          <a:prstGeom prst="rect">
+            <a:avLst/>
+          </a:prstGeom>
+          <a:noFill/>
+        </p:spPr>
+        <p:txBody>
+          <a:bodyPr wrap="square">
+            <a:spAutoFit/>
+          </a:bodyPr>
+          <a:lstStyle/>
+          <a:p>
+            <a:pPr marL="0" marR="0">
+              <a:spcBef>
+                <a:spcPts val="0"/>
+              </a:spcBef>
+              <a:spcAft>
+                <a:spcPts val="0"/>
+              </a:spcAft>
+            </a:pPr>
+            <a:r>
+              <a:rPr lang="en-US" altLang="zh-TW" sz="1800" dirty="0">
+                <a:solidFill>
+                  <a:srgbClr val="000000"/>
+                </a:solidFill>
+                <a:effectLst/>
+                <a:latin typeface="Consolas" panose="020B0609020204030204" pitchFamily="49" charset="0"/>
+              </a:rPr>
+              <a:t>People </a:t>
+            </a:r>
+            <a:r>
+              <a:rPr lang="en-US" altLang="zh-TW" sz="1800" dirty="0" err="1">
+                <a:solidFill>
+                  <a:srgbClr val="6A3E3E"/>
+                </a:solidFill>
+                <a:effectLst/>
+                <a:latin typeface="Consolas" panose="020B0609020204030204" pitchFamily="49" charset="0"/>
+              </a:rPr>
+              <a:t>people</a:t>
+            </a:r>
+            <a:r>
+              <a:rPr lang="en-US" altLang="zh-TW" sz="1800" dirty="0">
+                <a:solidFill>
+                  <a:srgbClr val="000000"/>
+                </a:solidFill>
+                <a:effectLst/>
+                <a:latin typeface="Consolas" panose="020B0609020204030204" pitchFamily="49" charset="0"/>
+              </a:rPr>
+              <a:t> = </a:t>
+            </a:r>
+            <a:r>
+              <a:rPr lang="en-US" altLang="zh-TW" sz="1800" b="1" dirty="0">
+                <a:solidFill>
+                  <a:srgbClr val="7F0055"/>
+                </a:solidFill>
+                <a:effectLst/>
+                <a:latin typeface="Consolas" panose="020B0609020204030204" pitchFamily="49" charset="0"/>
+              </a:rPr>
+              <a:t>new</a:t>
+            </a:r>
+            <a:r>
+              <a:rPr lang="en-US" altLang="zh-TW" sz="1800" dirty="0">
+                <a:solidFill>
+                  <a:srgbClr val="000000"/>
+                </a:solidFill>
+                <a:effectLst/>
+                <a:latin typeface="Consolas" panose="020B0609020204030204" pitchFamily="49" charset="0"/>
+              </a:rPr>
+              <a:t> People(</a:t>
+            </a:r>
+            <a:r>
+              <a:rPr lang="en-US" altLang="zh-TW" sz="1800" dirty="0">
+                <a:solidFill>
+                  <a:srgbClr val="2A00FF"/>
+                </a:solidFill>
+                <a:effectLst/>
+                <a:latin typeface="Consolas" panose="020B0609020204030204" pitchFamily="49" charset="0"/>
+              </a:rPr>
+              <a:t>"Jack"</a:t>
+            </a:r>
+            <a:r>
+              <a:rPr lang="en-US" altLang="zh-TW" sz="1800" dirty="0">
+                <a:solidFill>
+                  <a:srgbClr val="000000"/>
+                </a:solidFill>
+                <a:effectLst/>
+                <a:latin typeface="Consolas" panose="020B0609020204030204" pitchFamily="49" charset="0"/>
+              </a:rPr>
+              <a:t>);</a:t>
+            </a:r>
+          </a:p>
+        </p:txBody>
+      </p:sp>
+      <p:sp>
+        <p:nvSpPr>
+          <p:cNvPr id="55" name="文字方塊 54">
+            <a:extLst>
+              <a:ext uri="{FF2B5EF4-FFF2-40B4-BE49-F238E27FC236}">
+                <a16:creationId xmlns:a16="http://schemas.microsoft.com/office/drawing/2014/main" id="{80B57B32-7546-B02D-3E78-6DB9F74BBD36}"/>
+              </a:ext>
+            </a:extLst>
+          </p:cNvPr>
+          <p:cNvSpPr txBox="1"/>
+          <p:nvPr/>
+        </p:nvSpPr>
+        <p:spPr>
+          <a:xfrm>
+            <a:off x="6251941" y="5146074"/>
+            <a:ext cx="550580" cy="261610"/>
+          </a:xfrm>
+          <a:prstGeom prst="rect">
+            <a:avLst/>
+          </a:prstGeom>
+          <a:noFill/>
+        </p:spPr>
+        <p:txBody>
+          <a:bodyPr wrap="square" rtlCol="0">
+            <a:spAutoFit/>
+          </a:bodyPr>
+          <a:lstStyle/>
+          <a:p>
+            <a:pPr algn="ctr"/>
+            <a:r>
+              <a:rPr lang="en-US" altLang="zh-TW" sz="1100" dirty="0"/>
+              <a:t>(2)</a:t>
+            </a:r>
+            <a:endParaRPr lang="zh-TW" altLang="en-US" sz="1100" dirty="0"/>
+          </a:p>
+        </p:txBody>
+      </p:sp>
+      <p:sp>
+        <p:nvSpPr>
+          <p:cNvPr id="57" name="文字方塊 56">
+            <a:extLst>
+              <a:ext uri="{FF2B5EF4-FFF2-40B4-BE49-F238E27FC236}">
+                <a16:creationId xmlns:a16="http://schemas.microsoft.com/office/drawing/2014/main" id="{9530AD90-E414-3F72-69C3-D54275F0B7C5}"/>
+              </a:ext>
+            </a:extLst>
+          </p:cNvPr>
+          <p:cNvSpPr txBox="1"/>
+          <p:nvPr/>
+        </p:nvSpPr>
+        <p:spPr>
+          <a:xfrm>
+            <a:off x="6695713" y="5074162"/>
+            <a:ext cx="6396316" cy="369332"/>
+          </a:xfrm>
+          <a:prstGeom prst="rect">
+            <a:avLst/>
+          </a:prstGeom>
+          <a:noFill/>
+        </p:spPr>
+        <p:txBody>
+          <a:bodyPr wrap="square">
+            <a:spAutoFit/>
+          </a:bodyPr>
+          <a:lstStyle/>
+          <a:p>
+            <a:pPr marL="0" marR="0">
+              <a:spcBef>
+                <a:spcPts val="0"/>
+              </a:spcBef>
+              <a:spcAft>
+                <a:spcPts val="0"/>
+              </a:spcAft>
+            </a:pPr>
+            <a:r>
+              <a:rPr lang="en-US" altLang="zh-TW" sz="1800" b="1" dirty="0">
+                <a:solidFill>
+                  <a:srgbClr val="7F0055"/>
+                </a:solidFill>
+                <a:effectLst/>
+                <a:latin typeface="Consolas" panose="020B0609020204030204" pitchFamily="49" charset="0"/>
+              </a:rPr>
+              <a:t>public</a:t>
+            </a:r>
+            <a:r>
+              <a:rPr lang="en-US" altLang="zh-TW" sz="1800" dirty="0">
+                <a:solidFill>
+                  <a:srgbClr val="000000"/>
+                </a:solidFill>
+                <a:effectLst/>
+                <a:latin typeface="Consolas" panose="020B0609020204030204" pitchFamily="49" charset="0"/>
+              </a:rPr>
+              <a:t> </a:t>
+            </a:r>
+            <a:r>
+              <a:rPr lang="en-US" altLang="zh-TW" sz="1800" b="1" dirty="0">
+                <a:solidFill>
+                  <a:srgbClr val="7F0055"/>
+                </a:solidFill>
+                <a:effectLst/>
+                <a:latin typeface="Consolas" panose="020B0609020204030204" pitchFamily="49" charset="0"/>
+              </a:rPr>
+              <a:t>static</a:t>
+            </a:r>
+            <a:r>
+              <a:rPr lang="en-US" altLang="zh-TW" sz="1800" dirty="0">
+                <a:solidFill>
+                  <a:srgbClr val="000000"/>
+                </a:solidFill>
+                <a:effectLst/>
+                <a:latin typeface="Consolas" panose="020B0609020204030204" pitchFamily="49" charset="0"/>
+              </a:rPr>
+              <a:t> </a:t>
+            </a:r>
+            <a:r>
+              <a:rPr lang="en-US" altLang="zh-TW" sz="1800" b="1" dirty="0">
+                <a:solidFill>
+                  <a:srgbClr val="7F0055"/>
+                </a:solidFill>
+                <a:effectLst/>
+                <a:latin typeface="Consolas" panose="020B0609020204030204" pitchFamily="49" charset="0"/>
+              </a:rPr>
+              <a:t>void</a:t>
+            </a:r>
+            <a:r>
+              <a:rPr lang="en-US" altLang="zh-TW" sz="1800" dirty="0">
+                <a:solidFill>
+                  <a:srgbClr val="000000"/>
+                </a:solidFill>
+                <a:effectLst/>
+                <a:latin typeface="Consolas" panose="020B0609020204030204" pitchFamily="49" charset="0"/>
+              </a:rPr>
+              <a:t> </a:t>
+            </a:r>
+            <a:r>
+              <a:rPr lang="en-US" altLang="zh-TW" sz="1800" dirty="0" err="1">
+                <a:solidFill>
+                  <a:srgbClr val="000000"/>
+                </a:solidFill>
+                <a:effectLst/>
+                <a:latin typeface="Consolas" panose="020B0609020204030204" pitchFamily="49" charset="0"/>
+              </a:rPr>
+              <a:t>renameI</a:t>
+            </a:r>
+            <a:r>
+              <a:rPr lang="en-US" altLang="zh-TW" sz="1800" dirty="0">
+                <a:solidFill>
+                  <a:srgbClr val="000000"/>
+                </a:solidFill>
+                <a:effectLst/>
+                <a:latin typeface="Consolas" panose="020B0609020204030204" pitchFamily="49" charset="0"/>
+              </a:rPr>
+              <a:t>(People </a:t>
+            </a:r>
+            <a:r>
+              <a:rPr lang="en-US" altLang="zh-TW" sz="1800" dirty="0">
+                <a:solidFill>
+                  <a:srgbClr val="6A3E3E"/>
+                </a:solidFill>
+                <a:effectLst/>
+                <a:latin typeface="Consolas" panose="020B0609020204030204" pitchFamily="49" charset="0"/>
+              </a:rPr>
+              <a:t>people</a:t>
+            </a:r>
+            <a:r>
+              <a:rPr lang="en-US" altLang="zh-TW" sz="1800" dirty="0">
+                <a:solidFill>
+                  <a:srgbClr val="000000"/>
+                </a:solidFill>
+                <a:effectLst/>
+                <a:latin typeface="Consolas" panose="020B0609020204030204" pitchFamily="49" charset="0"/>
+              </a:rPr>
+              <a:t>)</a:t>
+            </a:r>
+          </a:p>
+        </p:txBody>
+      </p:sp>
+      <p:sp>
+        <p:nvSpPr>
+          <p:cNvPr id="58" name="文字方塊 57">
+            <a:extLst>
+              <a:ext uri="{FF2B5EF4-FFF2-40B4-BE49-F238E27FC236}">
+                <a16:creationId xmlns:a16="http://schemas.microsoft.com/office/drawing/2014/main" id="{421260DC-5287-F478-5B08-776FE9E43504}"/>
+              </a:ext>
+            </a:extLst>
+          </p:cNvPr>
+          <p:cNvSpPr txBox="1"/>
+          <p:nvPr/>
+        </p:nvSpPr>
+        <p:spPr>
+          <a:xfrm>
+            <a:off x="6251941" y="5665351"/>
+            <a:ext cx="550580" cy="261610"/>
+          </a:xfrm>
+          <a:prstGeom prst="rect">
+            <a:avLst/>
+          </a:prstGeom>
+          <a:noFill/>
+        </p:spPr>
+        <p:txBody>
+          <a:bodyPr wrap="square" rtlCol="0">
+            <a:spAutoFit/>
+          </a:bodyPr>
+          <a:lstStyle/>
+          <a:p>
+            <a:pPr algn="ctr"/>
+            <a:r>
+              <a:rPr lang="en-US" altLang="zh-TW" sz="1100" dirty="0"/>
+              <a:t>(3)</a:t>
+            </a:r>
+            <a:endParaRPr lang="zh-TW" altLang="en-US" sz="1100" dirty="0"/>
+          </a:p>
+        </p:txBody>
+      </p:sp>
+      <p:sp>
+        <p:nvSpPr>
+          <p:cNvPr id="60" name="文字方塊 59">
+            <a:extLst>
+              <a:ext uri="{FF2B5EF4-FFF2-40B4-BE49-F238E27FC236}">
+                <a16:creationId xmlns:a16="http://schemas.microsoft.com/office/drawing/2014/main" id="{79DD6DD6-86F6-8B04-E16D-8244A88DBC30}"/>
+              </a:ext>
+            </a:extLst>
+          </p:cNvPr>
+          <p:cNvSpPr txBox="1"/>
+          <p:nvPr/>
+        </p:nvSpPr>
+        <p:spPr>
+          <a:xfrm>
+            <a:off x="6695713" y="5585944"/>
+            <a:ext cx="4244609" cy="369332"/>
+          </a:xfrm>
+          <a:prstGeom prst="rect">
+            <a:avLst/>
+          </a:prstGeom>
+          <a:noFill/>
+        </p:spPr>
+        <p:txBody>
+          <a:bodyPr wrap="square">
+            <a:spAutoFit/>
+          </a:bodyPr>
+          <a:lstStyle/>
+          <a:p>
+            <a:pPr marL="0" marR="0">
+              <a:spcBef>
+                <a:spcPts val="0"/>
+              </a:spcBef>
+              <a:spcAft>
+                <a:spcPts val="0"/>
+              </a:spcAft>
+            </a:pPr>
+            <a:r>
+              <a:rPr lang="en-US" altLang="zh-TW" sz="1800" dirty="0">
+                <a:solidFill>
+                  <a:srgbClr val="6A3E3E"/>
+                </a:solidFill>
+                <a:effectLst/>
+                <a:latin typeface="Consolas" panose="020B0609020204030204" pitchFamily="49" charset="0"/>
+              </a:rPr>
+              <a:t>people</a:t>
+            </a:r>
+            <a:r>
+              <a:rPr lang="en-US" altLang="zh-TW" sz="1800" dirty="0">
+                <a:solidFill>
+                  <a:srgbClr val="000000"/>
+                </a:solidFill>
+                <a:effectLst/>
+                <a:latin typeface="Consolas" panose="020B0609020204030204" pitchFamily="49" charset="0"/>
+              </a:rPr>
+              <a:t> = </a:t>
+            </a:r>
+            <a:r>
+              <a:rPr lang="en-US" altLang="zh-TW" sz="1800" b="1" dirty="0">
+                <a:solidFill>
+                  <a:srgbClr val="7F0055"/>
+                </a:solidFill>
+                <a:effectLst/>
+                <a:latin typeface="Consolas" panose="020B0609020204030204" pitchFamily="49" charset="0"/>
+              </a:rPr>
+              <a:t>new</a:t>
+            </a:r>
+            <a:r>
+              <a:rPr lang="en-US" altLang="zh-TW" sz="1800" dirty="0">
+                <a:solidFill>
+                  <a:srgbClr val="000000"/>
+                </a:solidFill>
+                <a:effectLst/>
+                <a:latin typeface="Consolas" panose="020B0609020204030204" pitchFamily="49" charset="0"/>
+              </a:rPr>
+              <a:t> People(</a:t>
+            </a:r>
+            <a:r>
+              <a:rPr lang="en-US" altLang="zh-TW" sz="1800" dirty="0">
+                <a:solidFill>
+                  <a:srgbClr val="2A00FF"/>
+                </a:solidFill>
+                <a:effectLst/>
+                <a:latin typeface="Consolas" panose="020B0609020204030204" pitchFamily="49" charset="0"/>
+              </a:rPr>
+              <a:t>"Jackson"</a:t>
+            </a:r>
+            <a:r>
+              <a:rPr lang="en-US" altLang="zh-TW" sz="1800" dirty="0">
+                <a:solidFill>
+                  <a:srgbClr val="000000"/>
+                </a:solidFill>
+                <a:effectLst/>
+                <a:latin typeface="Consolas" panose="020B0609020204030204" pitchFamily="49" charset="0"/>
+              </a:rPr>
+              <a:t>);</a:t>
+            </a:r>
+          </a:p>
+        </p:txBody>
+      </p:sp>
+      <p:sp>
+        <p:nvSpPr>
+          <p:cNvPr id="61" name="矩形 60">
+            <a:extLst>
+              <a:ext uri="{FF2B5EF4-FFF2-40B4-BE49-F238E27FC236}">
+                <a16:creationId xmlns:a16="http://schemas.microsoft.com/office/drawing/2014/main" id="{52B449B6-18CA-2E49-09A9-67F0C99F93FE}"/>
+              </a:ext>
+            </a:extLst>
+          </p:cNvPr>
+          <p:cNvSpPr/>
+          <p:nvPr/>
+        </p:nvSpPr>
+        <p:spPr>
+          <a:xfrm>
+            <a:off x="1999129" y="5549154"/>
+            <a:ext cx="3532095" cy="466164"/>
+          </a:xfrm>
+          <a:prstGeom prst="rect">
+            <a:avLst/>
+          </a:prstGeom>
+          <a:noFill/>
+          <a:ln w="28575">
+            <a:solidFill>
+              <a:srgbClr val="FF0000"/>
+            </a:solidFill>
+          </a:ln>
+        </p:spPr>
+        <p:style>
+          <a:lnRef idx="2">
+            <a:schemeClr val="accent1">
+              <a:shade val="15000"/>
+            </a:schemeClr>
+          </a:lnRef>
+          <a:fillRef idx="1">
+            <a:schemeClr val="accent1"/>
+          </a:fillRef>
+          <a:effectRef idx="0">
+            <a:schemeClr val="accent1"/>
+          </a:effectRef>
+          <a:fontRef idx="minor">
+            <a:schemeClr val="lt1"/>
+          </a:fontRef>
+        </p:style>
+        <p:txBody>
+          <a:bodyPr rtlCol="0" anchor="ctr"/>
+          <a:lstStyle/>
+          <a:p>
+            <a:pPr algn="ctr"/>
+            <a:endParaRPr lang="zh-TW" altLang="en-US"/>
+          </a:p>
+        </p:txBody>
+      </p:sp>
+    </p:spTree>
+    <p:extLst>
+      <p:ext uri="{BB962C8B-B14F-4D97-AF65-F5344CB8AC3E}">
+        <p14:creationId xmlns:p14="http://schemas.microsoft.com/office/powerpoint/2010/main" val="1619709582"/>
+      </p:ext>
+    </p:extLst>
+  </p:cSld>
+  <p:clrMapOvr>
+    <a:masterClrMapping/>
+  </p:clrMapOvr>
+</p:sld>
+</file>
+
 <file path=ppt/slides/slide2.xml><?xml version="1.0" encoding="utf-8"?>
 <p:sld xmlns:a="http://schemas.openxmlformats.org/drawingml/2006/main" xmlns:r="http://schemas.openxmlformats.org/officeDocument/2006/relationships" xmlns:p="http://schemas.openxmlformats.org/presentationml/2006/main">
   <p:cSld>
